--- a/기획서/신버전/캐릭터 시스템.pptx
+++ b/기획서/신버전/캐릭터 시스템.pptx
@@ -5,10 +5,10 @@
     <p:sldMasterId id="2147483660" r:id="rId1"/>
   </p:sldMasterIdLst>
   <p:notesMasterIdLst>
-    <p:notesMasterId r:id="rId20"/>
+    <p:notesMasterId r:id="rId19"/>
   </p:notesMasterIdLst>
   <p:handoutMasterIdLst>
-    <p:handoutMasterId r:id="rId21"/>
+    <p:handoutMasterId r:id="rId20"/>
   </p:handoutMasterIdLst>
   <p:sldIdLst>
     <p:sldId id="256" r:id="rId2"/>
@@ -25,10 +25,9 @@
     <p:sldId id="267" r:id="rId13"/>
     <p:sldId id="269" r:id="rId14"/>
     <p:sldId id="272" r:id="rId15"/>
-    <p:sldId id="273" r:id="rId16"/>
-    <p:sldId id="274" r:id="rId17"/>
-    <p:sldId id="271" r:id="rId18"/>
-    <p:sldId id="270" r:id="rId19"/>
+    <p:sldId id="274" r:id="rId16"/>
+    <p:sldId id="271" r:id="rId17"/>
+    <p:sldId id="270" r:id="rId18"/>
   </p:sldIdLst>
   <p:sldSz cx="6858000" cy="9906000" type="A4"/>
   <p:notesSz cx="6858000" cy="9144000"/>
@@ -229,7 +228,7 @@
           <a:p>
             <a:fld id="{D686C50E-113A-4B4A-8A5C-9EE1E9DBA064}" type="datetimeFigureOut">
               <a:rPr lang="ko-KR" altLang="en-US" smtClean="0"/>
-              <a:t>2021-03-22</a:t>
+              <a:t>2021-03-30</a:t>
             </a:fld>
             <a:endParaRPr lang="ko-KR" altLang="en-US" dirty="0"/>
           </a:p>
@@ -406,7 +405,7 @@
           <a:p>
             <a:fld id="{40EC3B2E-CA71-40FC-A78E-FA212ABD0BB7}" type="datetimeFigureOut">
               <a:rPr lang="ko-KR" altLang="en-US" smtClean="0"/>
-              <a:t>2021-03-22</a:t>
+              <a:t>2021-03-30</a:t>
             </a:fld>
             <a:endParaRPr lang="ko-KR" altLang="en-US" dirty="0"/>
           </a:p>
@@ -804,7 +803,7 @@
           <a:p>
             <a:fld id="{F8CAAD71-D53C-4447-AAA3-BC9075A67E69}" type="datetimeFigureOut">
               <a:rPr lang="ko-KR" altLang="en-US" smtClean="0"/>
-              <a:t>2021-03-22</a:t>
+              <a:t>2021-03-30</a:t>
             </a:fld>
             <a:endParaRPr lang="ko-KR" altLang="en-US" dirty="0"/>
           </a:p>
@@ -974,7 +973,7 @@
           <a:p>
             <a:fld id="{F8CAAD71-D53C-4447-AAA3-BC9075A67E69}" type="datetimeFigureOut">
               <a:rPr lang="ko-KR" altLang="en-US" smtClean="0"/>
-              <a:t>2021-03-22</a:t>
+              <a:t>2021-03-30</a:t>
             </a:fld>
             <a:endParaRPr lang="ko-KR" altLang="en-US" dirty="0"/>
           </a:p>
@@ -1154,7 +1153,7 @@
           <a:p>
             <a:fld id="{F8CAAD71-D53C-4447-AAA3-BC9075A67E69}" type="datetimeFigureOut">
               <a:rPr lang="ko-KR" altLang="en-US" smtClean="0"/>
-              <a:t>2021-03-22</a:t>
+              <a:t>2021-03-30</a:t>
             </a:fld>
             <a:endParaRPr lang="ko-KR" altLang="en-US" dirty="0"/>
           </a:p>
@@ -1324,7 +1323,7 @@
           <a:p>
             <a:fld id="{F8CAAD71-D53C-4447-AAA3-BC9075A67E69}" type="datetimeFigureOut">
               <a:rPr lang="ko-KR" altLang="en-US" smtClean="0"/>
-              <a:t>2021-03-22</a:t>
+              <a:t>2021-03-30</a:t>
             </a:fld>
             <a:endParaRPr lang="ko-KR" altLang="en-US" dirty="0"/>
           </a:p>
@@ -1568,7 +1567,7 @@
           <a:p>
             <a:fld id="{F8CAAD71-D53C-4447-AAA3-BC9075A67E69}" type="datetimeFigureOut">
               <a:rPr lang="ko-KR" altLang="en-US" smtClean="0"/>
-              <a:t>2021-03-22</a:t>
+              <a:t>2021-03-30</a:t>
             </a:fld>
             <a:endParaRPr lang="ko-KR" altLang="en-US" dirty="0"/>
           </a:p>
@@ -1800,7 +1799,7 @@
           <a:p>
             <a:fld id="{F8CAAD71-D53C-4447-AAA3-BC9075A67E69}" type="datetimeFigureOut">
               <a:rPr lang="ko-KR" altLang="en-US" smtClean="0"/>
-              <a:t>2021-03-22</a:t>
+              <a:t>2021-03-30</a:t>
             </a:fld>
             <a:endParaRPr lang="ko-KR" altLang="en-US" dirty="0"/>
           </a:p>
@@ -2167,7 +2166,7 @@
           <a:p>
             <a:fld id="{F8CAAD71-D53C-4447-AAA3-BC9075A67E69}" type="datetimeFigureOut">
               <a:rPr lang="ko-KR" altLang="en-US" smtClean="0"/>
-              <a:t>2021-03-22</a:t>
+              <a:t>2021-03-30</a:t>
             </a:fld>
             <a:endParaRPr lang="ko-KR" altLang="en-US" dirty="0"/>
           </a:p>
@@ -2285,7 +2284,7 @@
           <a:p>
             <a:fld id="{F8CAAD71-D53C-4447-AAA3-BC9075A67E69}" type="datetimeFigureOut">
               <a:rPr lang="ko-KR" altLang="en-US" smtClean="0"/>
-              <a:t>2021-03-22</a:t>
+              <a:t>2021-03-30</a:t>
             </a:fld>
             <a:endParaRPr lang="ko-KR" altLang="en-US" dirty="0"/>
           </a:p>
@@ -2380,7 +2379,7 @@
           <a:p>
             <a:fld id="{F8CAAD71-D53C-4447-AAA3-BC9075A67E69}" type="datetimeFigureOut">
               <a:rPr lang="ko-KR" altLang="en-US" smtClean="0"/>
-              <a:t>2021-03-22</a:t>
+              <a:t>2021-03-30</a:t>
             </a:fld>
             <a:endParaRPr lang="ko-KR" altLang="en-US" dirty="0"/>
           </a:p>
@@ -2657,7 +2656,7 @@
           <a:p>
             <a:fld id="{F8CAAD71-D53C-4447-AAA3-BC9075A67E69}" type="datetimeFigureOut">
               <a:rPr lang="ko-KR" altLang="en-US" smtClean="0"/>
-              <a:t>2021-03-22</a:t>
+              <a:t>2021-03-30</a:t>
             </a:fld>
             <a:endParaRPr lang="ko-KR" altLang="en-US" dirty="0"/>
           </a:p>
@@ -2914,7 +2913,7 @@
           <a:p>
             <a:fld id="{F8CAAD71-D53C-4447-AAA3-BC9075A67E69}" type="datetimeFigureOut">
               <a:rPr lang="ko-KR" altLang="en-US" smtClean="0"/>
-              <a:t>2021-03-22</a:t>
+              <a:t>2021-03-30</a:t>
             </a:fld>
             <a:endParaRPr lang="ko-KR" altLang="en-US" dirty="0"/>
           </a:p>
@@ -3127,7 +3126,7 @@
           <a:p>
             <a:fld id="{F8CAAD71-D53C-4447-AAA3-BC9075A67E69}" type="datetimeFigureOut">
               <a:rPr lang="ko-KR" altLang="en-US" smtClean="0"/>
-              <a:t>2021-03-22</a:t>
+              <a:t>2021-03-30</a:t>
             </a:fld>
             <a:endParaRPr lang="ko-KR" altLang="en-US" dirty="0"/>
           </a:p>
@@ -8653,8 +8652,8 @@
         </p:blipFill>
         <p:spPr>
           <a:xfrm>
-            <a:off x="1897194" y="2712976"/>
-            <a:ext cx="3082092" cy="5128294"/>
+            <a:off x="1567963" y="2322831"/>
+            <a:ext cx="3722073" cy="6193159"/>
           </a:xfrm>
           <a:prstGeom prst="rect">
             <a:avLst/>
@@ -9619,8 +9618,8 @@
         </p:nvSpPr>
         <p:spPr>
           <a:xfrm>
-            <a:off x="280315" y="2964929"/>
-            <a:ext cx="6297381" cy="6247864"/>
+            <a:off x="280315" y="3135617"/>
+            <a:ext cx="6297381" cy="5755422"/>
           </a:xfrm>
           <a:prstGeom prst="rect">
             <a:avLst/>
@@ -10389,71 +10388,6 @@
                 <a:solidFill>
                   <a:schemeClr val="accent4"/>
                 </a:solidFill>
-                <a:latin typeface="HY그래픽M" panose="02030600000101010101" pitchFamily="18" charset="-127"/>
-                <a:ea typeface="HY그래픽M" panose="02030600000101010101" pitchFamily="18" charset="-127"/>
-              </a:rPr>
-              <a:t>.</a:t>
-            </a:r>
-          </a:p>
-          <a:p>
-            <a:pPr marL="285705" indent="-285705">
-              <a:buFontTx/>
-              <a:buChar char="-"/>
-            </a:pPr>
-            <a:endParaRPr lang="en-US" altLang="ko-KR" sz="1600" b="1" dirty="0">
-              <a:latin typeface="HY그래픽M" panose="02030600000101010101" pitchFamily="18" charset="-127"/>
-              <a:ea typeface="HY그래픽M" panose="02030600000101010101" pitchFamily="18" charset="-127"/>
-            </a:endParaRPr>
-          </a:p>
-          <a:p>
-            <a:pPr marL="285705" indent="-285705">
-              <a:buFontTx/>
-              <a:buChar char="-"/>
-            </a:pPr>
-            <a:r>
-              <a:rPr lang="ko-KR" altLang="en-US" sz="1600" b="1" dirty="0">
-                <a:latin typeface="HY그래픽M" panose="02030600000101010101" pitchFamily="18" charset="-127"/>
-                <a:ea typeface="HY그래픽M" panose="02030600000101010101" pitchFamily="18" charset="-127"/>
-              </a:rPr>
-              <a:t> 캐릭터의 </a:t>
-            </a:r>
-            <a:r>
-              <a:rPr lang="ko-KR" altLang="en-US" sz="1600" b="1" dirty="0" err="1">
-                <a:latin typeface="HY그래픽M" panose="02030600000101010101" pitchFamily="18" charset="-127"/>
-                <a:ea typeface="HY그래픽M" panose="02030600000101010101" pitchFamily="18" charset="-127"/>
-              </a:rPr>
-              <a:t>대쉬</a:t>
-            </a:r>
-            <a:r>
-              <a:rPr lang="ko-KR" altLang="en-US" sz="1600" b="1" dirty="0">
-                <a:latin typeface="HY그래픽M" panose="02030600000101010101" pitchFamily="18" charset="-127"/>
-                <a:ea typeface="HY그래픽M" panose="02030600000101010101" pitchFamily="18" charset="-127"/>
-              </a:rPr>
-              <a:t> 로직은 </a:t>
-            </a:r>
-            <a:r>
-              <a:rPr lang="ko-KR" altLang="en-US" sz="1600" b="1" dirty="0" err="1">
-                <a:latin typeface="HY그래픽M" panose="02030600000101010101" pitchFamily="18" charset="-127"/>
-                <a:ea typeface="HY그래픽M" panose="02030600000101010101" pitchFamily="18" charset="-127"/>
-              </a:rPr>
-              <a:t>대쉬</a:t>
-            </a:r>
-            <a:r>
-              <a:rPr lang="en-US" altLang="ko-KR" sz="1600" b="1" dirty="0">
-                <a:latin typeface="HY그래픽M" panose="02030600000101010101" pitchFamily="18" charset="-127"/>
-                <a:ea typeface="HY그래픽M" panose="02030600000101010101" pitchFamily="18" charset="-127"/>
-              </a:rPr>
-              <a:t>-</a:t>
-            </a:r>
-            <a:r>
-              <a:rPr lang="ko-KR" altLang="en-US" sz="1600" b="1" dirty="0">
-                <a:latin typeface="HY그래픽M" panose="02030600000101010101" pitchFamily="18" charset="-127"/>
-                <a:ea typeface="HY그래픽M" panose="02030600000101010101" pitchFamily="18" charset="-127"/>
-              </a:rPr>
-              <a:t>로직 에서 확인할 수 있다</a:t>
-            </a:r>
-            <a:r>
-              <a:rPr lang="en-US" altLang="ko-KR" sz="1600" b="1" dirty="0">
                 <a:latin typeface="HY그래픽M" panose="02030600000101010101" pitchFamily="18" charset="-127"/>
                 <a:ea typeface="HY그래픽M" panose="02030600000101010101" pitchFamily="18" charset="-127"/>
               </a:rPr>
@@ -10557,289 +10491,6 @@
 </file>
 
 <file path=ppt/slides/slide15.xml><?xml version="1.0" encoding="utf-8"?>
-<p:sld xmlns:a="http://schemas.openxmlformats.org/drawingml/2006/main" xmlns:r="http://schemas.openxmlformats.org/officeDocument/2006/relationships" xmlns:p="http://schemas.openxmlformats.org/presentationml/2006/main">
-  <p:cSld>
-    <p:spTree>
-      <p:nvGrpSpPr>
-        <p:cNvPr id="1" name=""/>
-        <p:cNvGrpSpPr/>
-        <p:nvPr/>
-      </p:nvGrpSpPr>
-      <p:grpSpPr>
-        <a:xfrm>
-          <a:off x="0" y="0"/>
-          <a:ext cx="0" cy="0"/>
-          <a:chOff x="0" y="0"/>
-          <a:chExt cx="0" cy="0"/>
-        </a:xfrm>
-      </p:grpSpPr>
-      <p:sp>
-        <p:nvSpPr>
-          <p:cNvPr id="31" name="직사각형 30">
-            <a:extLst>
-              <a:ext uri="{FF2B5EF4-FFF2-40B4-BE49-F238E27FC236}">
-                <a16:creationId xmlns:a16="http://schemas.microsoft.com/office/drawing/2014/main" id="{408EFC51-8FFE-4ADF-89E4-7E6457F42BE2}"/>
-              </a:ext>
-            </a:extLst>
-          </p:cNvPr>
-          <p:cNvSpPr/>
-          <p:nvPr/>
-        </p:nvSpPr>
-        <p:spPr>
-          <a:xfrm>
-            <a:off x="5" y="1125001"/>
-            <a:ext cx="6876481" cy="8781003"/>
-          </a:xfrm>
-          <a:prstGeom prst="rect">
-            <a:avLst/>
-          </a:prstGeom>
-          <a:solidFill>
-            <a:schemeClr val="bg2">
-              <a:lumMod val="25000"/>
-            </a:schemeClr>
-          </a:solidFill>
-          <a:ln>
-            <a:noFill/>
-          </a:ln>
-        </p:spPr>
-        <p:style>
-          <a:lnRef idx="2">
-            <a:schemeClr val="accent1">
-              <a:shade val="50000"/>
-            </a:schemeClr>
-          </a:lnRef>
-          <a:fillRef idx="1">
-            <a:schemeClr val="accent1"/>
-          </a:fillRef>
-          <a:effectRef idx="0">
-            <a:schemeClr val="accent1"/>
-          </a:effectRef>
-          <a:fontRef idx="minor">
-            <a:schemeClr val="lt1"/>
-          </a:fontRef>
-        </p:style>
-        <p:txBody>
-          <a:bodyPr rtlCol="0" anchor="ctr"/>
-          <a:lstStyle/>
-          <a:p>
-            <a:pPr algn="ctr"/>
-            <a:endParaRPr lang="ko-KR" altLang="en-US" dirty="0"/>
-          </a:p>
-        </p:txBody>
-      </p:sp>
-      <p:grpSp>
-        <p:nvGrpSpPr>
-          <p:cNvPr id="40" name="그룹 39">
-            <a:extLst>
-              <a:ext uri="{FF2B5EF4-FFF2-40B4-BE49-F238E27FC236}">
-                <a16:creationId xmlns:a16="http://schemas.microsoft.com/office/drawing/2014/main" id="{C8ACD09A-7386-4C29-9F45-6CE4B45403BD}"/>
-              </a:ext>
-            </a:extLst>
-          </p:cNvPr>
-          <p:cNvGrpSpPr/>
-          <p:nvPr/>
-        </p:nvGrpSpPr>
-        <p:grpSpPr>
-          <a:xfrm>
-            <a:off x="0" y="1046534"/>
-            <a:ext cx="6876480" cy="455116"/>
-            <a:chOff x="121920" y="1124997"/>
-            <a:chExt cx="6614160" cy="455116"/>
-          </a:xfrm>
-        </p:grpSpPr>
-        <p:sp>
-          <p:nvSpPr>
-            <p:cNvPr id="41" name="사각형: 둥근 모서리 40">
-              <a:extLst>
-                <a:ext uri="{FF2B5EF4-FFF2-40B4-BE49-F238E27FC236}">
-                  <a16:creationId xmlns:a16="http://schemas.microsoft.com/office/drawing/2014/main" id="{A8327ED5-DF33-4946-BC4E-07774C3552C8}"/>
-                </a:ext>
-              </a:extLst>
-            </p:cNvPr>
-            <p:cNvSpPr/>
-            <p:nvPr/>
-          </p:nvSpPr>
-          <p:spPr>
-            <a:xfrm>
-              <a:off x="121920" y="1124997"/>
-              <a:ext cx="6614160" cy="455116"/>
-            </a:xfrm>
-            <a:prstGeom prst="roundRect">
-              <a:avLst/>
-            </a:prstGeom>
-            <a:solidFill>
-              <a:schemeClr val="bg2">
-                <a:lumMod val="75000"/>
-              </a:schemeClr>
-            </a:solidFill>
-            <a:ln>
-              <a:noFill/>
-            </a:ln>
-          </p:spPr>
-          <p:style>
-            <a:lnRef idx="2">
-              <a:schemeClr val="accent1">
-                <a:shade val="50000"/>
-              </a:schemeClr>
-            </a:lnRef>
-            <a:fillRef idx="1">
-              <a:schemeClr val="accent1"/>
-            </a:fillRef>
-            <a:effectRef idx="0">
-              <a:schemeClr val="accent1"/>
-            </a:effectRef>
-            <a:fontRef idx="minor">
-              <a:schemeClr val="lt1"/>
-            </a:fontRef>
-          </p:style>
-          <p:txBody>
-            <a:bodyPr rtlCol="0" anchor="ctr"/>
-            <a:lstStyle/>
-            <a:p>
-              <a:pPr algn="ctr"/>
-              <a:endParaRPr lang="ko-KR" altLang="en-US" dirty="0"/>
-            </a:p>
-          </p:txBody>
-        </p:sp>
-        <p:sp>
-          <p:nvSpPr>
-            <p:cNvPr id="42" name="사각형: 둥근 모서리 41">
-              <a:extLst>
-                <a:ext uri="{FF2B5EF4-FFF2-40B4-BE49-F238E27FC236}">
-                  <a16:creationId xmlns:a16="http://schemas.microsoft.com/office/drawing/2014/main" id="{4831C118-97F2-4994-8350-618B0EEA3610}"/>
-                </a:ext>
-              </a:extLst>
-            </p:cNvPr>
-            <p:cNvSpPr/>
-            <p:nvPr/>
-          </p:nvSpPr>
-          <p:spPr>
-            <a:xfrm>
-              <a:off x="433199" y="1195522"/>
-              <a:ext cx="5991603" cy="318170"/>
-            </a:xfrm>
-            <a:prstGeom prst="roundRect">
-              <a:avLst/>
-            </a:prstGeom>
-            <a:solidFill>
-              <a:schemeClr val="bg2">
-                <a:lumMod val="50000"/>
-              </a:schemeClr>
-            </a:solidFill>
-            <a:ln>
-              <a:noFill/>
-            </a:ln>
-          </p:spPr>
-          <p:style>
-            <a:lnRef idx="2">
-              <a:schemeClr val="accent1">
-                <a:shade val="50000"/>
-              </a:schemeClr>
-            </a:lnRef>
-            <a:fillRef idx="1">
-              <a:schemeClr val="accent1"/>
-            </a:fillRef>
-            <a:effectRef idx="0">
-              <a:schemeClr val="accent1"/>
-            </a:effectRef>
-            <a:fontRef idx="minor">
-              <a:schemeClr val="lt1"/>
-            </a:fontRef>
-          </p:style>
-          <p:txBody>
-            <a:bodyPr rtlCol="0" anchor="ctr"/>
-            <a:lstStyle/>
-            <a:p>
-              <a:pPr algn="ctr"/>
-              <a:r>
-                <a:rPr lang="ko-KR" altLang="en-US" b="1" dirty="0" err="1">
-                  <a:latin typeface="메이플스토리" panose="02000300000000000000" pitchFamily="2" charset="-127"/>
-                  <a:ea typeface="메이플스토리" panose="02000300000000000000" pitchFamily="2" charset="-127"/>
-                </a:rPr>
-                <a:t>대쉬</a:t>
-              </a:r>
-              <a:r>
-                <a:rPr lang="ko-KR" altLang="en-US" b="1" dirty="0">
-                  <a:latin typeface="메이플스토리" panose="02000300000000000000" pitchFamily="2" charset="-127"/>
-                  <a:ea typeface="메이플스토리" panose="02000300000000000000" pitchFamily="2" charset="-127"/>
-                </a:rPr>
-                <a:t> </a:t>
-              </a:r>
-              <a:r>
-                <a:rPr lang="en-US" altLang="ko-KR" b="1" dirty="0">
-                  <a:latin typeface="메이플스토리" panose="02000300000000000000" pitchFamily="2" charset="-127"/>
-                  <a:ea typeface="메이플스토리" panose="02000300000000000000" pitchFamily="2" charset="-127"/>
-                </a:rPr>
-                <a:t>- </a:t>
-              </a:r>
-              <a:r>
-                <a:rPr lang="ko-KR" altLang="en-US" b="1" dirty="0">
-                  <a:latin typeface="메이플스토리" panose="02000300000000000000" pitchFamily="2" charset="-127"/>
-                  <a:ea typeface="메이플스토리" panose="02000300000000000000" pitchFamily="2" charset="-127"/>
-                </a:rPr>
-                <a:t>로직</a:t>
-              </a:r>
-            </a:p>
-          </p:txBody>
-        </p:sp>
-      </p:grpSp>
-      <p:sp>
-        <p:nvSpPr>
-          <p:cNvPr id="6" name="직사각형 5">
-            <a:extLst>
-              <a:ext uri="{FF2B5EF4-FFF2-40B4-BE49-F238E27FC236}">
-                <a16:creationId xmlns:a16="http://schemas.microsoft.com/office/drawing/2014/main" id="{A90F6C05-7A97-4BD4-AB8D-99F1425F89D4}"/>
-              </a:ext>
-            </a:extLst>
-          </p:cNvPr>
-          <p:cNvSpPr/>
-          <p:nvPr/>
-        </p:nvSpPr>
-        <p:spPr>
-          <a:xfrm>
-            <a:off x="2756733" y="33681"/>
-            <a:ext cx="1344535" cy="923330"/>
-          </a:xfrm>
-          <a:prstGeom prst="rect">
-            <a:avLst/>
-          </a:prstGeom>
-          <a:noFill/>
-        </p:spPr>
-        <p:txBody>
-          <a:bodyPr wrap="none" lIns="91440" tIns="45720" rIns="91440" bIns="45720">
-            <a:spAutoFit/>
-          </a:bodyPr>
-          <a:lstStyle/>
-          <a:p>
-            <a:pPr algn="ctr"/>
-            <a:r>
-              <a:rPr lang="en-US" altLang="ko-KR" sz="5400" b="1" cap="none" spc="0" dirty="0">
-                <a:ln w="0"/>
-                <a:solidFill>
-                  <a:schemeClr val="tx1"/>
-                </a:solidFill>
-                <a:latin typeface="+mj-ea"/>
-                <a:ea typeface="+mj-ea"/>
-              </a:rPr>
-              <a:t>WA</a:t>
-            </a:r>
-          </a:p>
-        </p:txBody>
-      </p:sp>
-    </p:spTree>
-    <p:extLst>
-      <p:ext uri="{BB962C8B-B14F-4D97-AF65-F5344CB8AC3E}">
-        <p14:creationId xmlns:p14="http://schemas.microsoft.com/office/powerpoint/2010/main" val="3128464063"/>
-      </p:ext>
-    </p:extLst>
-  </p:cSld>
-  <p:clrMapOvr>
-    <a:masterClrMapping/>
-  </p:clrMapOvr>
-</p:sld>
-</file>
-
-<file path=ppt/slides/slide16.xml><?xml version="1.0" encoding="utf-8"?>
 <p:sld xmlns:a="http://schemas.openxmlformats.org/drawingml/2006/main" xmlns:r="http://schemas.openxmlformats.org/officeDocument/2006/relationships" xmlns:p="http://schemas.openxmlformats.org/presentationml/2006/main">
   <p:cSld>
     <p:spTree>
@@ -11039,7 +10690,21 @@
                   <a:latin typeface="메이플스토리" panose="02000300000000000000" pitchFamily="2" charset="-127"/>
                   <a:ea typeface="메이플스토리" panose="02000300000000000000" pitchFamily="2" charset="-127"/>
                 </a:rPr>
-                <a:t>상호작용</a:t>
+                <a:t>상호작용 </a:t>
+              </a:r>
+              <a:r>
+                <a:rPr lang="en-US" altLang="ko-KR" b="1" dirty="0">
+                  <a:latin typeface="메이플스토리" panose="02000300000000000000" pitchFamily="2" charset="-127"/>
+                  <a:ea typeface="메이플스토리" panose="02000300000000000000" pitchFamily="2" charset="-127"/>
+                </a:rPr>
+                <a:t>- </a:t>
+              </a:r>
+              <a:r>
+                <a:rPr lang="ko-KR" altLang="en-US" b="1" dirty="0">
+                  <a:latin typeface="메이플스토리" panose="02000300000000000000" pitchFamily="2" charset="-127"/>
+                  <a:ea typeface="메이플스토리" panose="02000300000000000000" pitchFamily="2" charset="-127"/>
+                </a:rPr>
+                <a:t>개요</a:t>
               </a:r>
             </a:p>
           </p:txBody>
@@ -11102,7 +10767,7 @@
         </p:nvGrpSpPr>
         <p:grpSpPr>
           <a:xfrm>
-            <a:off x="2756733" y="1734873"/>
+            <a:off x="2756733" y="3063801"/>
             <a:ext cx="2049693" cy="1119378"/>
             <a:chOff x="2426208" y="1750789"/>
             <a:chExt cx="2049693" cy="1119378"/>
@@ -11225,7 +10890,7 @@
         </p:nvSpPr>
         <p:spPr>
           <a:xfrm>
-            <a:off x="2022182" y="1919268"/>
+            <a:off x="2022182" y="3248196"/>
             <a:ext cx="734551" cy="734551"/>
           </a:xfrm>
           <a:prstGeom prst="rect">
@@ -11296,8 +10961,8 @@
         </p:nvSpPr>
         <p:spPr>
           <a:xfrm>
-            <a:off x="280310" y="2999500"/>
-            <a:ext cx="6297381" cy="338554"/>
+            <a:off x="280310" y="4328428"/>
+            <a:ext cx="6297381" cy="3262432"/>
           </a:xfrm>
           <a:prstGeom prst="rect">
             <a:avLst/>
@@ -11417,12 +11082,284 @@
                 <a:latin typeface="HY그래픽M" panose="02030600000101010101" pitchFamily="18" charset="-127"/>
                 <a:ea typeface="HY그래픽M" panose="02030600000101010101" pitchFamily="18" charset="-127"/>
               </a:rPr>
-              <a:t>  </a:t>
-            </a:r>
+              <a:t> 캐릭터는 키보드 </a:t>
+            </a:r>
+            <a:r>
+              <a:rPr lang="en-US" altLang="ko-KR" sz="1600" b="1" dirty="0">
+                <a:solidFill>
+                  <a:schemeClr val="accent4"/>
+                </a:solidFill>
+                <a:latin typeface="HY그래픽M" panose="02030600000101010101" pitchFamily="18" charset="-127"/>
+                <a:ea typeface="HY그래픽M" panose="02030600000101010101" pitchFamily="18" charset="-127"/>
+              </a:rPr>
+              <a:t>C</a:t>
+            </a:r>
+            <a:r>
+              <a:rPr lang="ko-KR" altLang="en-US" sz="1600" b="1" dirty="0">
+                <a:latin typeface="HY그래픽M" panose="02030600000101010101" pitchFamily="18" charset="-127"/>
+                <a:ea typeface="HY그래픽M" panose="02030600000101010101" pitchFamily="18" charset="-127"/>
+              </a:rPr>
+              <a:t>를 입력 받아 상호작용한다</a:t>
+            </a:r>
+            <a:r>
+              <a:rPr lang="en-US" altLang="ko-KR" sz="1600" b="1" dirty="0">
+                <a:latin typeface="HY그래픽M" panose="02030600000101010101" pitchFamily="18" charset="-127"/>
+                <a:ea typeface="HY그래픽M" panose="02030600000101010101" pitchFamily="18" charset="-127"/>
+              </a:rPr>
+              <a:t>.</a:t>
+            </a:r>
+          </a:p>
+          <a:p>
             <a:endParaRPr lang="en-US" altLang="ko-KR" sz="1600" b="1" dirty="0">
               <a:latin typeface="HY그래픽M" panose="02030600000101010101" pitchFamily="18" charset="-127"/>
               <a:ea typeface="HY그래픽M" panose="02030600000101010101" pitchFamily="18" charset="-127"/>
             </a:endParaRPr>
+          </a:p>
+          <a:p>
+            <a:pPr marL="285705" indent="-285705">
+              <a:buFontTx/>
+              <a:buChar char="-"/>
+            </a:pPr>
+            <a:r>
+              <a:rPr lang="ko-KR" altLang="en-US" sz="1600" b="1" dirty="0">
+                <a:latin typeface="HY그래픽M" panose="02030600000101010101" pitchFamily="18" charset="-127"/>
+                <a:ea typeface="HY그래픽M" panose="02030600000101010101" pitchFamily="18" charset="-127"/>
+              </a:rPr>
+              <a:t> 주변에 상호작용이 가능한 퍼즐요소가 있을 경우에만 </a:t>
+            </a:r>
+            <a:r>
+              <a:rPr lang="ko-KR" altLang="en-US" sz="1600" b="1" dirty="0">
+                <a:solidFill>
+                  <a:schemeClr val="accent4"/>
+                </a:solidFill>
+                <a:latin typeface="HY그래픽M" panose="02030600000101010101" pitchFamily="18" charset="-127"/>
+                <a:ea typeface="HY그래픽M" panose="02030600000101010101" pitchFamily="18" charset="-127"/>
+              </a:rPr>
+              <a:t>상호작용이 가능하다</a:t>
+            </a:r>
+            <a:r>
+              <a:rPr lang="en-US" altLang="ko-KR" sz="1600" b="1" dirty="0">
+                <a:solidFill>
+                  <a:schemeClr val="accent4"/>
+                </a:solidFill>
+                <a:latin typeface="HY그래픽M" panose="02030600000101010101" pitchFamily="18" charset="-127"/>
+                <a:ea typeface="HY그래픽M" panose="02030600000101010101" pitchFamily="18" charset="-127"/>
+              </a:rPr>
+              <a:t>.</a:t>
+            </a:r>
+            <a:endParaRPr lang="en-US" altLang="ko-KR" sz="1600" b="1" dirty="0">
+              <a:latin typeface="HY그래픽M" panose="02030600000101010101" pitchFamily="18" charset="-127"/>
+              <a:ea typeface="HY그래픽M" panose="02030600000101010101" pitchFamily="18" charset="-127"/>
+            </a:endParaRPr>
+          </a:p>
+          <a:p>
+            <a:endParaRPr lang="en-US" altLang="ko-KR" sz="1600" b="1" dirty="0">
+              <a:latin typeface="HY그래픽M" panose="02030600000101010101" pitchFamily="18" charset="-127"/>
+              <a:ea typeface="HY그래픽M" panose="02030600000101010101" pitchFamily="18" charset="-127"/>
+            </a:endParaRPr>
+          </a:p>
+          <a:p>
+            <a:pPr marL="285705" indent="-285705">
+              <a:buFontTx/>
+              <a:buChar char="-"/>
+            </a:pPr>
+            <a:r>
+              <a:rPr lang="ko-KR" altLang="en-US" sz="1600" b="1" dirty="0">
+                <a:latin typeface="HY그래픽M" panose="02030600000101010101" pitchFamily="18" charset="-127"/>
+                <a:ea typeface="HY그래픽M" panose="02030600000101010101" pitchFamily="18" charset="-127"/>
+              </a:rPr>
+              <a:t> 캐릭터는 상호작용 하면서 </a:t>
+            </a:r>
+            <a:r>
+              <a:rPr lang="ko-KR" altLang="en-US" sz="1600" b="1" dirty="0">
+                <a:solidFill>
+                  <a:schemeClr val="accent4"/>
+                </a:solidFill>
+                <a:latin typeface="HY그래픽M" panose="02030600000101010101" pitchFamily="18" charset="-127"/>
+                <a:ea typeface="HY그래픽M" panose="02030600000101010101" pitchFamily="18" charset="-127"/>
+              </a:rPr>
+              <a:t>애니메이션</a:t>
+            </a:r>
+            <a:r>
+              <a:rPr lang="en-US" altLang="ko-KR" sz="1600" b="1" dirty="0">
+                <a:solidFill>
+                  <a:schemeClr val="accent4"/>
+                </a:solidFill>
+                <a:latin typeface="HY그래픽M" panose="02030600000101010101" pitchFamily="18" charset="-127"/>
+                <a:ea typeface="HY그래픽M" panose="02030600000101010101" pitchFamily="18" charset="-127"/>
+              </a:rPr>
+              <a:t>&amp;</a:t>
+            </a:r>
+            <a:r>
+              <a:rPr lang="ko-KR" altLang="en-US" sz="1600" b="1" dirty="0" err="1">
+                <a:solidFill>
+                  <a:schemeClr val="accent4"/>
+                </a:solidFill>
+                <a:latin typeface="HY그래픽M" panose="02030600000101010101" pitchFamily="18" charset="-127"/>
+                <a:ea typeface="HY그래픽M" panose="02030600000101010101" pitchFamily="18" charset="-127"/>
+              </a:rPr>
+              <a:t>사운드</a:t>
+            </a:r>
+            <a:r>
+              <a:rPr lang="ko-KR" altLang="en-US" sz="1600" b="1" dirty="0" err="1">
+                <a:latin typeface="HY그래픽M" panose="02030600000101010101" pitchFamily="18" charset="-127"/>
+                <a:ea typeface="HY그래픽M" panose="02030600000101010101" pitchFamily="18" charset="-127"/>
+              </a:rPr>
+              <a:t>을</a:t>
+            </a:r>
+            <a:r>
+              <a:rPr lang="ko-KR" altLang="en-US" sz="1600" b="1" dirty="0">
+                <a:latin typeface="HY그래픽M" panose="02030600000101010101" pitchFamily="18" charset="-127"/>
+                <a:ea typeface="HY그래픽M" panose="02030600000101010101" pitchFamily="18" charset="-127"/>
+              </a:rPr>
+              <a:t> 재생한다</a:t>
+            </a:r>
+            <a:r>
+              <a:rPr lang="en-US" altLang="ko-KR" sz="1600" b="1" dirty="0">
+                <a:latin typeface="HY그래픽M" panose="02030600000101010101" pitchFamily="18" charset="-127"/>
+                <a:ea typeface="HY그래픽M" panose="02030600000101010101" pitchFamily="18" charset="-127"/>
+              </a:rPr>
+              <a:t>.</a:t>
+            </a:r>
+          </a:p>
+          <a:p>
+            <a:pPr marL="285705" indent="-285705">
+              <a:buFontTx/>
+              <a:buChar char="-"/>
+            </a:pPr>
+            <a:endParaRPr lang="en-US" altLang="ko-KR" sz="1600" b="1" dirty="0">
+              <a:latin typeface="HY그래픽M" panose="02030600000101010101" pitchFamily="18" charset="-127"/>
+              <a:ea typeface="HY그래픽M" panose="02030600000101010101" pitchFamily="18" charset="-127"/>
+            </a:endParaRPr>
+          </a:p>
+          <a:p>
+            <a:pPr marL="285705" indent="-285705">
+              <a:buFontTx/>
+              <a:buChar char="-"/>
+            </a:pPr>
+            <a:r>
+              <a:rPr lang="ko-KR" altLang="en-US" sz="1600" b="1" dirty="0">
+                <a:latin typeface="HY그래픽M" panose="02030600000101010101" pitchFamily="18" charset="-127"/>
+                <a:ea typeface="HY그래픽M" panose="02030600000101010101" pitchFamily="18" charset="-127"/>
+              </a:rPr>
+              <a:t> 상호작용은 퍼즐요소에 따라 다르며</a:t>
+            </a:r>
+            <a:r>
+              <a:rPr lang="en-US" altLang="ko-KR" sz="1600" b="1" dirty="0">
+                <a:latin typeface="HY그래픽M" panose="02030600000101010101" pitchFamily="18" charset="-127"/>
+                <a:ea typeface="HY그래픽M" panose="02030600000101010101" pitchFamily="18" charset="-127"/>
+              </a:rPr>
+              <a:t>, </a:t>
+            </a:r>
+            <a:r>
+              <a:rPr lang="ko-KR" altLang="en-US" sz="1600" b="1" dirty="0">
+                <a:solidFill>
+                  <a:schemeClr val="accent4"/>
+                </a:solidFill>
+                <a:latin typeface="HY그래픽M" panose="02030600000101010101" pitchFamily="18" charset="-127"/>
+                <a:ea typeface="HY그래픽M" panose="02030600000101010101" pitchFamily="18" charset="-127"/>
+              </a:rPr>
+              <a:t>상호작용 가능한 퍼즐과 아닌 퍼즐이 구분</a:t>
+            </a:r>
+            <a:r>
+              <a:rPr lang="ko-KR" altLang="en-US" sz="1600" b="1" dirty="0">
+                <a:latin typeface="HY그래픽M" panose="02030600000101010101" pitchFamily="18" charset="-127"/>
+                <a:ea typeface="HY그래픽M" panose="02030600000101010101" pitchFamily="18" charset="-127"/>
+              </a:rPr>
+              <a:t>되어 있다</a:t>
+            </a:r>
+            <a:r>
+              <a:rPr lang="en-US" altLang="ko-KR" sz="1600" b="1" dirty="0">
+                <a:latin typeface="HY그래픽M" panose="02030600000101010101" pitchFamily="18" charset="-127"/>
+                <a:ea typeface="HY그래픽M" panose="02030600000101010101" pitchFamily="18" charset="-127"/>
+              </a:rPr>
+              <a:t>.</a:t>
+            </a:r>
+          </a:p>
+          <a:p>
+            <a:pPr marL="285705" indent="-285705">
+              <a:buFontTx/>
+              <a:buChar char="-"/>
+            </a:pPr>
+            <a:endParaRPr lang="en-US" altLang="ko-KR" sz="1600" b="1" dirty="0">
+              <a:latin typeface="HY그래픽M" panose="02030600000101010101" pitchFamily="18" charset="-127"/>
+              <a:ea typeface="HY그래픽M" panose="02030600000101010101" pitchFamily="18" charset="-127"/>
+            </a:endParaRPr>
+          </a:p>
+          <a:p>
+            <a:pPr marL="285705" indent="-285705">
+              <a:buFontTx/>
+              <a:buChar char="-"/>
+            </a:pPr>
+            <a:r>
+              <a:rPr lang="en-US" altLang="ko-KR" sz="1600" b="1" dirty="0">
+                <a:latin typeface="HY그래픽M" panose="02030600000101010101" pitchFamily="18" charset="-127"/>
+                <a:ea typeface="HY그래픽M" panose="02030600000101010101" pitchFamily="18" charset="-127"/>
+              </a:rPr>
+              <a:t> </a:t>
+            </a:r>
+            <a:r>
+              <a:rPr lang="ko-KR" altLang="en-US" sz="1600" b="1" dirty="0">
+                <a:latin typeface="HY그래픽M" panose="02030600000101010101" pitchFamily="18" charset="-127"/>
+                <a:ea typeface="HY그래픽M" panose="02030600000101010101" pitchFamily="18" charset="-127"/>
+              </a:rPr>
+              <a:t>퍼즐요소마다 작동하는 시스템이 다르다</a:t>
+            </a:r>
+            <a:r>
+              <a:rPr lang="en-US" altLang="ko-KR" sz="1600" b="1" dirty="0">
+                <a:latin typeface="HY그래픽M" panose="02030600000101010101" pitchFamily="18" charset="-127"/>
+                <a:ea typeface="HY그래픽M" panose="02030600000101010101" pitchFamily="18" charset="-127"/>
+              </a:rPr>
+              <a:t>.</a:t>
+            </a:r>
+          </a:p>
+          <a:p>
+            <a:pPr marL="285705" indent="-285705">
+              <a:buFontTx/>
+              <a:buChar char="-"/>
+            </a:pPr>
+            <a:endParaRPr lang="en-US" altLang="ko-KR" sz="1600" b="1" dirty="0">
+              <a:latin typeface="HY그래픽M" panose="02030600000101010101" pitchFamily="18" charset="-127"/>
+              <a:ea typeface="HY그래픽M" panose="02030600000101010101" pitchFamily="18" charset="-127"/>
+            </a:endParaRPr>
+          </a:p>
+          <a:p>
+            <a:r>
+              <a:rPr lang="ko-KR" altLang="en-US" sz="1400" b="1" dirty="0">
+                <a:solidFill>
+                  <a:schemeClr val="bg1">
+                    <a:lumMod val="85000"/>
+                  </a:schemeClr>
+                </a:solidFill>
+                <a:latin typeface="HY그래픽M" panose="02030600000101010101" pitchFamily="18" charset="-127"/>
+                <a:ea typeface="HY그래픽M" panose="02030600000101010101" pitchFamily="18" charset="-127"/>
+              </a:rPr>
+              <a:t>각각의 퍼즐요소에 대한 자세한 설명은 해당 문서를 </a:t>
+            </a:r>
+            <a:r>
+              <a:rPr lang="ko-KR" altLang="en-US" sz="1400" b="1" dirty="0" err="1">
+                <a:solidFill>
+                  <a:schemeClr val="bg1">
+                    <a:lumMod val="85000"/>
+                  </a:schemeClr>
+                </a:solidFill>
+                <a:latin typeface="HY그래픽M" panose="02030600000101010101" pitchFamily="18" charset="-127"/>
+                <a:ea typeface="HY그래픽M" panose="02030600000101010101" pitchFamily="18" charset="-127"/>
+              </a:rPr>
+              <a:t>참조하시오</a:t>
+            </a:r>
+            <a:r>
+              <a:rPr lang="en-US" altLang="ko-KR" sz="1400" b="1" dirty="0">
+                <a:solidFill>
+                  <a:schemeClr val="bg1">
+                    <a:lumMod val="85000"/>
+                  </a:schemeClr>
+                </a:solidFill>
+                <a:latin typeface="HY그래픽M" panose="02030600000101010101" pitchFamily="18" charset="-127"/>
+                <a:ea typeface="HY그래픽M" panose="02030600000101010101" pitchFamily="18" charset="-127"/>
+              </a:rPr>
+              <a:t>.</a:t>
+            </a:r>
           </a:p>
         </p:txBody>
       </p:sp>
@@ -11439,7 +11376,7 @@
 </p:sld>
 </file>
 
-<file path=ppt/slides/slide17.xml><?xml version="1.0" encoding="utf-8"?>
+<file path=ppt/slides/slide16.xml><?xml version="1.0" encoding="utf-8"?>
 <p:sld xmlns:a="http://schemas.openxmlformats.org/drawingml/2006/main" xmlns:r="http://schemas.openxmlformats.org/officeDocument/2006/relationships" xmlns:p="http://schemas.openxmlformats.org/presentationml/2006/main">
   <p:cSld>
     <p:spTree>
@@ -12411,7 +12348,7 @@
 </p:sld>
 </file>
 
-<file path=ppt/slides/slide18.xml><?xml version="1.0" encoding="utf-8"?>
+<file path=ppt/slides/slide17.xml><?xml version="1.0" encoding="utf-8"?>
 <p:sld xmlns:a="http://schemas.openxmlformats.org/drawingml/2006/main" xmlns:r="http://schemas.openxmlformats.org/officeDocument/2006/relationships" xmlns:p="http://schemas.openxmlformats.org/presentationml/2006/main">
   <p:cSld>
     <p:spTree>
@@ -13331,6 +13268,258 @@
           </p:txBody>
         </p:sp>
       </p:grpSp>
+      <p:sp>
+        <p:nvSpPr>
+          <p:cNvPr id="2" name="TextBox 1">
+            <a:extLst>
+              <a:ext uri="{FF2B5EF4-FFF2-40B4-BE49-F238E27FC236}">
+                <a16:creationId xmlns:a16="http://schemas.microsoft.com/office/drawing/2014/main" id="{D2662BBC-0B72-42CF-966F-294B2007B8AE}"/>
+              </a:ext>
+            </a:extLst>
+          </p:cNvPr>
+          <p:cNvSpPr txBox="1"/>
+          <p:nvPr/>
+        </p:nvSpPr>
+        <p:spPr>
+          <a:xfrm>
+            <a:off x="445276" y="1697447"/>
+            <a:ext cx="5967448" cy="6129050"/>
+          </a:xfrm>
+          <a:prstGeom prst="rect">
+            <a:avLst/>
+          </a:prstGeom>
+          <a:noFill/>
+        </p:spPr>
+        <p:txBody>
+          <a:bodyPr wrap="square" rtlCol="0">
+            <a:spAutoFit/>
+          </a:bodyPr>
+          <a:lstStyle/>
+          <a:p>
+            <a:pPr marL="342900" indent="-342900">
+              <a:lnSpc>
+                <a:spcPct val="150000"/>
+              </a:lnSpc>
+              <a:buAutoNum type="arabicPeriod"/>
+            </a:pPr>
+            <a:r>
+              <a:rPr lang="ko-KR" altLang="en-US" sz="2400" b="1" dirty="0">
+                <a:solidFill>
+                  <a:schemeClr val="bg1"/>
+                </a:solidFill>
+              </a:rPr>
+              <a:t>개요</a:t>
+            </a:r>
+            <a:endParaRPr lang="en-US" altLang="ko-KR" sz="2400" b="1" dirty="0">
+              <a:solidFill>
+                <a:schemeClr val="bg1"/>
+              </a:solidFill>
+            </a:endParaRPr>
+          </a:p>
+          <a:p>
+            <a:pPr marL="342900" indent="-342900">
+              <a:lnSpc>
+                <a:spcPct val="150000"/>
+              </a:lnSpc>
+              <a:buAutoNum type="arabicPeriod"/>
+            </a:pPr>
+            <a:r>
+              <a:rPr lang="ko-KR" altLang="en-US" sz="2400" b="1" dirty="0">
+                <a:solidFill>
+                  <a:schemeClr val="bg1"/>
+                </a:solidFill>
+              </a:rPr>
+              <a:t>규격 및 설정</a:t>
+            </a:r>
+            <a:endParaRPr lang="en-US" altLang="ko-KR" sz="2400" b="1" dirty="0">
+              <a:solidFill>
+                <a:schemeClr val="bg1"/>
+              </a:solidFill>
+            </a:endParaRPr>
+          </a:p>
+          <a:p>
+            <a:pPr marL="342900" indent="-342900">
+              <a:lnSpc>
+                <a:spcPct val="150000"/>
+              </a:lnSpc>
+              <a:buAutoNum type="arabicPeriod"/>
+            </a:pPr>
+            <a:r>
+              <a:rPr lang="ko-KR" altLang="en-US" sz="2400" b="1" dirty="0">
+                <a:solidFill>
+                  <a:schemeClr val="bg1"/>
+                </a:solidFill>
+              </a:rPr>
+              <a:t>필요 리소스</a:t>
+            </a:r>
+            <a:endParaRPr lang="en-US" altLang="ko-KR" sz="2400" b="1" dirty="0">
+              <a:solidFill>
+                <a:schemeClr val="bg1"/>
+              </a:solidFill>
+            </a:endParaRPr>
+          </a:p>
+          <a:p>
+            <a:pPr marL="342900" indent="-342900">
+              <a:lnSpc>
+                <a:spcPct val="150000"/>
+              </a:lnSpc>
+              <a:buAutoNum type="arabicPeriod"/>
+            </a:pPr>
+            <a:r>
+              <a:rPr lang="ko-KR" altLang="en-US" sz="2400" b="1" dirty="0">
+                <a:solidFill>
+                  <a:schemeClr val="bg1"/>
+                </a:solidFill>
+              </a:rPr>
+              <a:t>카메라</a:t>
+            </a:r>
+            <a:endParaRPr lang="en-US" altLang="ko-KR" sz="2400" b="1" dirty="0">
+              <a:solidFill>
+                <a:schemeClr val="bg1"/>
+              </a:solidFill>
+            </a:endParaRPr>
+          </a:p>
+          <a:p>
+            <a:pPr marL="342900" indent="-342900">
+              <a:lnSpc>
+                <a:spcPct val="150000"/>
+              </a:lnSpc>
+              <a:buAutoNum type="arabicPeriod"/>
+            </a:pPr>
+            <a:r>
+              <a:rPr lang="ko-KR" altLang="en-US" sz="2400" b="1" dirty="0">
+                <a:solidFill>
+                  <a:schemeClr val="bg1"/>
+                </a:solidFill>
+              </a:rPr>
+              <a:t>이동</a:t>
+            </a:r>
+            <a:endParaRPr lang="en-US" altLang="ko-KR" sz="2400" b="1" dirty="0">
+              <a:solidFill>
+                <a:schemeClr val="bg1"/>
+              </a:solidFill>
+            </a:endParaRPr>
+          </a:p>
+          <a:p>
+            <a:pPr marL="342900" indent="-342900">
+              <a:lnSpc>
+                <a:spcPct val="150000"/>
+              </a:lnSpc>
+              <a:buAutoNum type="arabicPeriod"/>
+            </a:pPr>
+            <a:r>
+              <a:rPr lang="ko-KR" altLang="en-US" sz="2400" b="1" dirty="0">
+                <a:solidFill>
+                  <a:schemeClr val="bg1"/>
+                </a:solidFill>
+              </a:rPr>
+              <a:t>점프</a:t>
+            </a:r>
+            <a:endParaRPr lang="en-US" altLang="ko-KR" sz="2400" b="1" dirty="0">
+              <a:solidFill>
+                <a:schemeClr val="bg1"/>
+              </a:solidFill>
+            </a:endParaRPr>
+          </a:p>
+          <a:p>
+            <a:pPr marL="342900" indent="-342900">
+              <a:lnSpc>
+                <a:spcPct val="150000"/>
+              </a:lnSpc>
+              <a:buAutoNum type="arabicPeriod"/>
+            </a:pPr>
+            <a:r>
+              <a:rPr lang="ko-KR" altLang="en-US" sz="2400" b="1" dirty="0" err="1">
+                <a:solidFill>
+                  <a:schemeClr val="bg1"/>
+                </a:solidFill>
+              </a:rPr>
+              <a:t>대쉬</a:t>
+            </a:r>
+            <a:endParaRPr lang="en-US" altLang="ko-KR" sz="2400" b="1" dirty="0">
+              <a:solidFill>
+                <a:schemeClr val="bg1"/>
+              </a:solidFill>
+            </a:endParaRPr>
+          </a:p>
+          <a:p>
+            <a:pPr marL="342900" indent="-342900">
+              <a:lnSpc>
+                <a:spcPct val="150000"/>
+              </a:lnSpc>
+              <a:buAutoNum type="arabicPeriod"/>
+            </a:pPr>
+            <a:r>
+              <a:rPr lang="ko-KR" altLang="en-US" sz="2400" b="1" dirty="0">
+                <a:solidFill>
+                  <a:schemeClr val="bg1"/>
+                </a:solidFill>
+              </a:rPr>
+              <a:t>상호작용</a:t>
+            </a:r>
+            <a:endParaRPr lang="en-US" altLang="ko-KR" sz="2400" b="1" dirty="0">
+              <a:solidFill>
+                <a:schemeClr val="bg1"/>
+              </a:solidFill>
+            </a:endParaRPr>
+          </a:p>
+          <a:p>
+            <a:pPr marL="342900" indent="-342900">
+              <a:lnSpc>
+                <a:spcPct val="150000"/>
+              </a:lnSpc>
+              <a:buAutoNum type="arabicPeriod"/>
+            </a:pPr>
+            <a:r>
+              <a:rPr lang="ko-KR" altLang="en-US" sz="2400" b="1" dirty="0">
+                <a:solidFill>
+                  <a:schemeClr val="bg1"/>
+                </a:solidFill>
+              </a:rPr>
+              <a:t>피격</a:t>
+            </a:r>
+            <a:endParaRPr lang="en-US" altLang="ko-KR" sz="2400" b="1" dirty="0">
+              <a:solidFill>
+                <a:schemeClr val="bg1"/>
+              </a:solidFill>
+            </a:endParaRPr>
+          </a:p>
+          <a:p>
+            <a:pPr marL="342900" indent="-342900">
+              <a:lnSpc>
+                <a:spcPct val="150000"/>
+              </a:lnSpc>
+              <a:buAutoNum type="arabicPeriod"/>
+            </a:pPr>
+            <a:r>
+              <a:rPr lang="ko-KR" altLang="en-US" sz="2400" b="1" dirty="0">
+                <a:solidFill>
+                  <a:schemeClr val="bg1"/>
+                </a:solidFill>
+              </a:rPr>
+              <a:t>사망</a:t>
+            </a:r>
+            <a:endParaRPr lang="en-US" altLang="ko-KR" sz="2400" b="1" dirty="0">
+              <a:solidFill>
+                <a:schemeClr val="bg1"/>
+              </a:solidFill>
+            </a:endParaRPr>
+          </a:p>
+          <a:p>
+            <a:pPr marL="342900" indent="-342900">
+              <a:lnSpc>
+                <a:spcPct val="150000"/>
+              </a:lnSpc>
+              <a:buAutoNum type="arabicPeriod"/>
+            </a:pPr>
+            <a:endParaRPr lang="ko-KR" altLang="en-US" sz="2400" b="1" dirty="0">
+              <a:solidFill>
+                <a:schemeClr val="bg1"/>
+              </a:solidFill>
+            </a:endParaRPr>
+          </a:p>
+        </p:txBody>
+      </p:sp>
     </p:spTree>
     <p:extLst>
       <p:ext uri="{BB962C8B-B14F-4D97-AF65-F5344CB8AC3E}">
@@ -13857,6 +14046,32 @@
               <a:t>상호작용</a:t>
             </a:r>
             <a:r>
+              <a:rPr lang="en-US" altLang="ko-KR" sz="1600" b="1" dirty="0">
+                <a:ln w="3175">
+                  <a:noFill/>
+                </a:ln>
+                <a:solidFill>
+                  <a:schemeClr val="accent4"/>
+                </a:solidFill>
+                <a:latin typeface="HY그래픽M" panose="02030600000101010101" pitchFamily="18" charset="-127"/>
+                <a:ea typeface="HY그래픽M" panose="02030600000101010101" pitchFamily="18" charset="-127"/>
+              </a:rPr>
+              <a:t>, </a:t>
+            </a:r>
+            <a:r>
+              <a:rPr lang="ko-KR" altLang="en-US" sz="1600" b="1" dirty="0" err="1">
+                <a:ln w="3175">
+                  <a:noFill/>
+                </a:ln>
+                <a:solidFill>
+                  <a:schemeClr val="accent4"/>
+                </a:solidFill>
+                <a:latin typeface="HY그래픽M" panose="02030600000101010101" pitchFamily="18" charset="-127"/>
+                <a:ea typeface="HY그래픽M" panose="02030600000101010101" pitchFamily="18" charset="-127"/>
+              </a:rPr>
+              <a:t>대쉬</a:t>
+            </a:r>
+            <a:r>
               <a:rPr lang="ko-KR" altLang="en-US" sz="1600" b="1" dirty="0">
                 <a:latin typeface="HY그래픽M" panose="02030600000101010101" pitchFamily="18" charset="-127"/>
                 <a:ea typeface="HY그래픽M" panose="02030600000101010101" pitchFamily="18" charset="-127"/>
@@ -13868,14 +14083,21 @@
                 <a:latin typeface="HY그래픽M" panose="02030600000101010101" pitchFamily="18" charset="-127"/>
                 <a:ea typeface="HY그래픽M" panose="02030600000101010101" pitchFamily="18" charset="-127"/>
               </a:rPr>
-              <a:t>3</a:t>
+              <a:t>4</a:t>
+            </a:r>
+            <a:r>
+              <a:rPr lang="ko-KR" altLang="en-US" sz="1600" b="1">
+                <a:latin typeface="HY그래픽M" panose="02030600000101010101" pitchFamily="18" charset="-127"/>
+                <a:ea typeface="HY그래픽M" panose="02030600000101010101" pitchFamily="18" charset="-127"/>
+              </a:rPr>
+              <a:t>가지의 </a:t>
             </a:r>
             <a:r>
               <a:rPr lang="ko-KR" altLang="en-US" sz="1600" b="1" dirty="0">
                 <a:latin typeface="HY그래픽M" panose="02030600000101010101" pitchFamily="18" charset="-127"/>
                 <a:ea typeface="HY그래픽M" panose="02030600000101010101" pitchFamily="18" charset="-127"/>
               </a:rPr>
-              <a:t>가지의 동작을 할 수 있다</a:t>
+              <a:t>동작을 할 수 있다</a:t>
             </a:r>
             <a:r>
               <a:rPr lang="en-US" altLang="ko-KR" sz="1600" b="1" dirty="0">

--- a/기획서/신버전/캐릭터 시스템.pptx
+++ b/기획서/신버전/캐릭터 시스템.pptx
@@ -5,10 +5,10 @@
     <p:sldMasterId id="2147483660" r:id="rId1"/>
   </p:sldMasterIdLst>
   <p:notesMasterIdLst>
-    <p:notesMasterId r:id="rId19"/>
+    <p:notesMasterId r:id="rId18"/>
   </p:notesMasterIdLst>
   <p:handoutMasterIdLst>
-    <p:handoutMasterId r:id="rId20"/>
+    <p:handoutMasterId r:id="rId19"/>
   </p:handoutMasterIdLst>
   <p:sldIdLst>
     <p:sldId id="256" r:id="rId2"/>
@@ -23,11 +23,10 @@
     <p:sldId id="261" r:id="rId11"/>
     <p:sldId id="264" r:id="rId12"/>
     <p:sldId id="267" r:id="rId13"/>
-    <p:sldId id="269" r:id="rId14"/>
-    <p:sldId id="272" r:id="rId15"/>
-    <p:sldId id="274" r:id="rId16"/>
-    <p:sldId id="271" r:id="rId17"/>
-    <p:sldId id="270" r:id="rId18"/>
+    <p:sldId id="272" r:id="rId14"/>
+    <p:sldId id="274" r:id="rId15"/>
+    <p:sldId id="271" r:id="rId16"/>
+    <p:sldId id="270" r:id="rId17"/>
   </p:sldIdLst>
   <p:sldSz cx="6858000" cy="9906000" type="A4"/>
   <p:notesSz cx="6858000" cy="9144000"/>
@@ -228,7 +227,7 @@
           <a:p>
             <a:fld id="{D686C50E-113A-4B4A-8A5C-9EE1E9DBA064}" type="datetimeFigureOut">
               <a:rPr lang="ko-KR" altLang="en-US" smtClean="0"/>
-              <a:t>2021-03-30</a:t>
+              <a:t>2021-04-10</a:t>
             </a:fld>
             <a:endParaRPr lang="ko-KR" altLang="en-US" dirty="0"/>
           </a:p>
@@ -405,7 +404,7 @@
           <a:p>
             <a:fld id="{40EC3B2E-CA71-40FC-A78E-FA212ABD0BB7}" type="datetimeFigureOut">
               <a:rPr lang="ko-KR" altLang="en-US" smtClean="0"/>
-              <a:t>2021-03-30</a:t>
+              <a:t>2021-04-10</a:t>
             </a:fld>
             <a:endParaRPr lang="ko-KR" altLang="en-US" dirty="0"/>
           </a:p>
@@ -803,7 +802,7 @@
           <a:p>
             <a:fld id="{F8CAAD71-D53C-4447-AAA3-BC9075A67E69}" type="datetimeFigureOut">
               <a:rPr lang="ko-KR" altLang="en-US" smtClean="0"/>
-              <a:t>2021-03-30</a:t>
+              <a:t>2021-04-10</a:t>
             </a:fld>
             <a:endParaRPr lang="ko-KR" altLang="en-US" dirty="0"/>
           </a:p>
@@ -973,7 +972,7 @@
           <a:p>
             <a:fld id="{F8CAAD71-D53C-4447-AAA3-BC9075A67E69}" type="datetimeFigureOut">
               <a:rPr lang="ko-KR" altLang="en-US" smtClean="0"/>
-              <a:t>2021-03-30</a:t>
+              <a:t>2021-04-10</a:t>
             </a:fld>
             <a:endParaRPr lang="ko-KR" altLang="en-US" dirty="0"/>
           </a:p>
@@ -1153,7 +1152,7 @@
           <a:p>
             <a:fld id="{F8CAAD71-D53C-4447-AAA3-BC9075A67E69}" type="datetimeFigureOut">
               <a:rPr lang="ko-KR" altLang="en-US" smtClean="0"/>
-              <a:t>2021-03-30</a:t>
+              <a:t>2021-04-10</a:t>
             </a:fld>
             <a:endParaRPr lang="ko-KR" altLang="en-US" dirty="0"/>
           </a:p>
@@ -1323,7 +1322,7 @@
           <a:p>
             <a:fld id="{F8CAAD71-D53C-4447-AAA3-BC9075A67E69}" type="datetimeFigureOut">
               <a:rPr lang="ko-KR" altLang="en-US" smtClean="0"/>
-              <a:t>2021-03-30</a:t>
+              <a:t>2021-04-10</a:t>
             </a:fld>
             <a:endParaRPr lang="ko-KR" altLang="en-US" dirty="0"/>
           </a:p>
@@ -1567,7 +1566,7 @@
           <a:p>
             <a:fld id="{F8CAAD71-D53C-4447-AAA3-BC9075A67E69}" type="datetimeFigureOut">
               <a:rPr lang="ko-KR" altLang="en-US" smtClean="0"/>
-              <a:t>2021-03-30</a:t>
+              <a:t>2021-04-10</a:t>
             </a:fld>
             <a:endParaRPr lang="ko-KR" altLang="en-US" dirty="0"/>
           </a:p>
@@ -1799,7 +1798,7 @@
           <a:p>
             <a:fld id="{F8CAAD71-D53C-4447-AAA3-BC9075A67E69}" type="datetimeFigureOut">
               <a:rPr lang="ko-KR" altLang="en-US" smtClean="0"/>
-              <a:t>2021-03-30</a:t>
+              <a:t>2021-04-10</a:t>
             </a:fld>
             <a:endParaRPr lang="ko-KR" altLang="en-US" dirty="0"/>
           </a:p>
@@ -2166,7 +2165,7 @@
           <a:p>
             <a:fld id="{F8CAAD71-D53C-4447-AAA3-BC9075A67E69}" type="datetimeFigureOut">
               <a:rPr lang="ko-KR" altLang="en-US" smtClean="0"/>
-              <a:t>2021-03-30</a:t>
+              <a:t>2021-04-10</a:t>
             </a:fld>
             <a:endParaRPr lang="ko-KR" altLang="en-US" dirty="0"/>
           </a:p>
@@ -2284,7 +2283,7 @@
           <a:p>
             <a:fld id="{F8CAAD71-D53C-4447-AAA3-BC9075A67E69}" type="datetimeFigureOut">
               <a:rPr lang="ko-KR" altLang="en-US" smtClean="0"/>
-              <a:t>2021-03-30</a:t>
+              <a:t>2021-04-10</a:t>
             </a:fld>
             <a:endParaRPr lang="ko-KR" altLang="en-US" dirty="0"/>
           </a:p>
@@ -2379,7 +2378,7 @@
           <a:p>
             <a:fld id="{F8CAAD71-D53C-4447-AAA3-BC9075A67E69}" type="datetimeFigureOut">
               <a:rPr lang="ko-KR" altLang="en-US" smtClean="0"/>
-              <a:t>2021-03-30</a:t>
+              <a:t>2021-04-10</a:t>
             </a:fld>
             <a:endParaRPr lang="ko-KR" altLang="en-US" dirty="0"/>
           </a:p>
@@ -2656,7 +2655,7 @@
           <a:p>
             <a:fld id="{F8CAAD71-D53C-4447-AAA3-BC9075A67E69}" type="datetimeFigureOut">
               <a:rPr lang="ko-KR" altLang="en-US" smtClean="0"/>
-              <a:t>2021-03-30</a:t>
+              <a:t>2021-04-10</a:t>
             </a:fld>
             <a:endParaRPr lang="ko-KR" altLang="en-US" dirty="0"/>
           </a:p>
@@ -2913,7 +2912,7 @@
           <a:p>
             <a:fld id="{F8CAAD71-D53C-4447-AAA3-BC9075A67E69}" type="datetimeFigureOut">
               <a:rPr lang="ko-KR" altLang="en-US" smtClean="0"/>
-              <a:t>2021-03-30</a:t>
+              <a:t>2021-04-10</a:t>
             </a:fld>
             <a:endParaRPr lang="ko-KR" altLang="en-US" dirty="0"/>
           </a:p>
@@ -3126,7 +3125,7 @@
           <a:p>
             <a:fld id="{F8CAAD71-D53C-4447-AAA3-BC9075A67E69}" type="datetimeFigureOut">
               <a:rPr lang="ko-KR" altLang="en-US" smtClean="0"/>
-              <a:t>2021-03-30</a:t>
+              <a:t>2021-04-10</a:t>
             </a:fld>
             <a:endParaRPr lang="ko-KR" altLang="en-US" dirty="0"/>
           </a:p>
@@ -8869,620 +8868,6 @@
             <a:p>
               <a:pPr algn="ctr"/>
               <a:r>
-                <a:rPr lang="ko-KR" altLang="en-US" b="1" dirty="0">
-                  <a:latin typeface="메이플스토리" panose="02000300000000000000" pitchFamily="2" charset="-127"/>
-                  <a:ea typeface="메이플스토리" panose="02000300000000000000" pitchFamily="2" charset="-127"/>
-                </a:rPr>
-                <a:t>점프 </a:t>
-              </a:r>
-              <a:r>
-                <a:rPr lang="en-US" altLang="ko-KR" b="1" dirty="0">
-                  <a:latin typeface="메이플스토리" panose="02000300000000000000" pitchFamily="2" charset="-127"/>
-                  <a:ea typeface="메이플스토리" panose="02000300000000000000" pitchFamily="2" charset="-127"/>
-                </a:rPr>
-                <a:t>– </a:t>
-              </a:r>
-              <a:r>
-                <a:rPr lang="ko-KR" altLang="en-US" b="1" dirty="0">
-                  <a:latin typeface="메이플스토리" panose="02000300000000000000" pitchFamily="2" charset="-127"/>
-                  <a:ea typeface="메이플스토리" panose="02000300000000000000" pitchFamily="2" charset="-127"/>
-                </a:rPr>
-                <a:t>애니메이션 패턴</a:t>
-              </a:r>
-              <a:r>
-                <a:rPr lang="en-US" altLang="ko-KR" b="1" dirty="0">
-                  <a:latin typeface="메이플스토리" panose="02000300000000000000" pitchFamily="2" charset="-127"/>
-                  <a:ea typeface="메이플스토리" panose="02000300000000000000" pitchFamily="2" charset="-127"/>
-                </a:rPr>
-                <a:t> </a:t>
-              </a:r>
-              <a:endParaRPr lang="ko-KR" altLang="en-US" b="1" dirty="0">
-                <a:latin typeface="메이플스토리" panose="02000300000000000000" pitchFamily="2" charset="-127"/>
-                <a:ea typeface="메이플스토리" panose="02000300000000000000" pitchFamily="2" charset="-127"/>
-              </a:endParaRPr>
-            </a:p>
-          </p:txBody>
-        </p:sp>
-      </p:grpSp>
-      <p:sp>
-        <p:nvSpPr>
-          <p:cNvPr id="6" name="직사각형 5">
-            <a:extLst>
-              <a:ext uri="{FF2B5EF4-FFF2-40B4-BE49-F238E27FC236}">
-                <a16:creationId xmlns:a16="http://schemas.microsoft.com/office/drawing/2014/main" id="{A90F6C05-7A97-4BD4-AB8D-99F1425F89D4}"/>
-              </a:ext>
-            </a:extLst>
-          </p:cNvPr>
-          <p:cNvSpPr/>
-          <p:nvPr/>
-        </p:nvSpPr>
-        <p:spPr>
-          <a:xfrm>
-            <a:off x="2756733" y="33681"/>
-            <a:ext cx="1344535" cy="923330"/>
-          </a:xfrm>
-          <a:prstGeom prst="rect">
-            <a:avLst/>
-          </a:prstGeom>
-          <a:noFill/>
-        </p:spPr>
-        <p:txBody>
-          <a:bodyPr wrap="none" lIns="91440" tIns="45720" rIns="91440" bIns="45720">
-            <a:spAutoFit/>
-          </a:bodyPr>
-          <a:lstStyle/>
-          <a:p>
-            <a:pPr algn="ctr"/>
-            <a:r>
-              <a:rPr lang="en-US" altLang="ko-KR" sz="5400" b="1" cap="none" spc="0" dirty="0">
-                <a:ln w="0"/>
-                <a:solidFill>
-                  <a:schemeClr val="tx1"/>
-                </a:solidFill>
-                <a:latin typeface="+mj-ea"/>
-                <a:ea typeface="+mj-ea"/>
-              </a:rPr>
-              <a:t>WA</a:t>
-            </a:r>
-          </a:p>
-        </p:txBody>
-      </p:sp>
-      <p:grpSp>
-        <p:nvGrpSpPr>
-          <p:cNvPr id="4" name="그룹 3">
-            <a:extLst>
-              <a:ext uri="{FF2B5EF4-FFF2-40B4-BE49-F238E27FC236}">
-                <a16:creationId xmlns:a16="http://schemas.microsoft.com/office/drawing/2014/main" id="{F35FB514-4567-4115-9A7B-BAA8A4685FF5}"/>
-              </a:ext>
-            </a:extLst>
-          </p:cNvPr>
-          <p:cNvGrpSpPr/>
-          <p:nvPr/>
-        </p:nvGrpSpPr>
-        <p:grpSpPr>
-          <a:xfrm>
-            <a:off x="0" y="2712485"/>
-            <a:ext cx="6858000" cy="5090630"/>
-            <a:chOff x="0" y="1741114"/>
-            <a:chExt cx="6858000" cy="5090630"/>
-          </a:xfrm>
-        </p:grpSpPr>
-        <p:sp>
-          <p:nvSpPr>
-            <p:cNvPr id="8" name="TextBox 7">
-              <a:extLst>
-                <a:ext uri="{FF2B5EF4-FFF2-40B4-BE49-F238E27FC236}">
-                  <a16:creationId xmlns:a16="http://schemas.microsoft.com/office/drawing/2014/main" id="{9022109C-93C6-4BFF-9BBB-CDA8B30BC83F}"/>
-                </a:ext>
-              </a:extLst>
-            </p:cNvPr>
-            <p:cNvSpPr txBox="1"/>
-            <p:nvPr/>
-          </p:nvSpPr>
-          <p:spPr>
-            <a:xfrm>
-              <a:off x="220083" y="1741114"/>
-              <a:ext cx="6417836" cy="369332"/>
-            </a:xfrm>
-            <a:prstGeom prst="rect">
-              <a:avLst/>
-            </a:prstGeom>
-            <a:solidFill>
-              <a:schemeClr val="bg1">
-                <a:alpha val="20000"/>
-              </a:schemeClr>
-            </a:solidFill>
-          </p:spPr>
-          <p:txBody>
-            <a:bodyPr wrap="square" rtlCol="0">
-              <a:spAutoFit/>
-            </a:bodyPr>
-            <a:lstStyle/>
-            <a:p>
-              <a:pPr marL="285705" indent="-285705">
-                <a:buFontTx/>
-                <a:buChar char="-"/>
-              </a:pPr>
-              <a:r>
-                <a:rPr lang="ko-KR" altLang="en-US" b="1" dirty="0">
-                  <a:latin typeface="메이플스토리" panose="02000300000000000000" pitchFamily="2" charset="-127"/>
-                  <a:ea typeface="메이플스토리" panose="02000300000000000000" pitchFamily="2" charset="-127"/>
-                </a:rPr>
-                <a:t>점프 </a:t>
-              </a:r>
-              <a:r>
-                <a:rPr lang="en-US" altLang="ko-KR" b="1" dirty="0">
-                  <a:latin typeface="메이플스토리" panose="02000300000000000000" pitchFamily="2" charset="-127"/>
-                  <a:ea typeface="메이플스토리" panose="02000300000000000000" pitchFamily="2" charset="-127"/>
-                </a:rPr>
-                <a:t>CASE 1 (</a:t>
-              </a:r>
-              <a:r>
-                <a:rPr lang="ko-KR" altLang="en-US" b="1" dirty="0">
-                  <a:latin typeface="메이플스토리" panose="02000300000000000000" pitchFamily="2" charset="-127"/>
-                  <a:ea typeface="메이플스토리" panose="02000300000000000000" pitchFamily="2" charset="-127"/>
-                </a:rPr>
-                <a:t>체공 애니메이션 반복재생 중 착지</a:t>
-              </a:r>
-              <a:r>
-                <a:rPr lang="en-US" altLang="ko-KR" b="1" dirty="0">
-                  <a:latin typeface="메이플스토리" panose="02000300000000000000" pitchFamily="2" charset="-127"/>
-                  <a:ea typeface="메이플스토리" panose="02000300000000000000" pitchFamily="2" charset="-127"/>
-                </a:rPr>
-                <a:t>)</a:t>
-              </a:r>
-            </a:p>
-          </p:txBody>
-        </p:sp>
-        <p:sp>
-          <p:nvSpPr>
-            <p:cNvPr id="9" name="TextBox 8">
-              <a:extLst>
-                <a:ext uri="{FF2B5EF4-FFF2-40B4-BE49-F238E27FC236}">
-                  <a16:creationId xmlns:a16="http://schemas.microsoft.com/office/drawing/2014/main" id="{233CEE65-23F0-430D-B348-72A10E80CBFE}"/>
-                </a:ext>
-              </a:extLst>
-            </p:cNvPr>
-            <p:cNvSpPr txBox="1"/>
-            <p:nvPr/>
-          </p:nvSpPr>
-          <p:spPr>
-            <a:xfrm>
-              <a:off x="220082" y="5279972"/>
-              <a:ext cx="6417836" cy="369332"/>
-            </a:xfrm>
-            <a:prstGeom prst="rect">
-              <a:avLst/>
-            </a:prstGeom>
-            <a:solidFill>
-              <a:schemeClr val="bg1">
-                <a:alpha val="20000"/>
-              </a:schemeClr>
-            </a:solidFill>
-          </p:spPr>
-          <p:txBody>
-            <a:bodyPr wrap="square" rtlCol="0">
-              <a:spAutoFit/>
-            </a:bodyPr>
-            <a:lstStyle/>
-            <a:p>
-              <a:pPr marL="285705" indent="-285705">
-                <a:buFontTx/>
-                <a:buChar char="-"/>
-              </a:pPr>
-              <a:r>
-                <a:rPr lang="ko-KR" altLang="en-US" b="1" dirty="0">
-                  <a:latin typeface="메이플스토리" panose="02000300000000000000" pitchFamily="2" charset="-127"/>
-                  <a:ea typeface="메이플스토리" panose="02000300000000000000" pitchFamily="2" charset="-127"/>
-                </a:rPr>
-                <a:t>절벽에서 낙하</a:t>
-              </a:r>
-              <a:r>
-                <a:rPr lang="en-US" altLang="ko-KR" b="1" dirty="0">
-                  <a:latin typeface="메이플스토리" panose="02000300000000000000" pitchFamily="2" charset="-127"/>
-                  <a:ea typeface="메이플스토리" panose="02000300000000000000" pitchFamily="2" charset="-127"/>
-                </a:rPr>
-                <a:t> (</a:t>
-              </a:r>
-              <a:r>
-                <a:rPr lang="ko-KR" altLang="en-US" b="1" dirty="0">
-                  <a:latin typeface="메이플스토리" panose="02000300000000000000" pitchFamily="2" charset="-127"/>
-                  <a:ea typeface="메이플스토리" panose="02000300000000000000" pitchFamily="2" charset="-127"/>
-                </a:rPr>
-                <a:t>점프를 하지 않고 절벽에서 낙하하는 경우</a:t>
-              </a:r>
-              <a:r>
-                <a:rPr lang="en-US" altLang="ko-KR" b="1" dirty="0">
-                  <a:latin typeface="메이플스토리" panose="02000300000000000000" pitchFamily="2" charset="-127"/>
-                  <a:ea typeface="메이플스토리" panose="02000300000000000000" pitchFamily="2" charset="-127"/>
-                </a:rPr>
-                <a:t>)</a:t>
-              </a:r>
-            </a:p>
-          </p:txBody>
-        </p:sp>
-        <p:pic>
-          <p:nvPicPr>
-            <p:cNvPr id="3" name="그림 2">
-              <a:extLst>
-                <a:ext uri="{FF2B5EF4-FFF2-40B4-BE49-F238E27FC236}">
-                  <a16:creationId xmlns:a16="http://schemas.microsoft.com/office/drawing/2014/main" id="{EB872C8F-CDEA-4732-816B-B7F0B3EF13E6}"/>
-                </a:ext>
-              </a:extLst>
-            </p:cNvPr>
-            <p:cNvPicPr>
-              <a:picLocks noChangeAspect="1"/>
-            </p:cNvPicPr>
-            <p:nvPr/>
-          </p:nvPicPr>
-          <p:blipFill rotWithShape="1">
-            <a:blip r:embed="rId2">
-              <a:extLst>
-                <a:ext uri="{28A0092B-C50C-407E-A947-70E740481C1C}">
-                  <a14:useLocalDpi xmlns:a14="http://schemas.microsoft.com/office/drawing/2010/main" val="0"/>
-                </a:ext>
-              </a:extLst>
-            </a:blip>
-            <a:srcRect b="72612"/>
-            <a:stretch/>
-          </p:blipFill>
-          <p:spPr>
-            <a:xfrm>
-              <a:off x="0" y="2349910"/>
-              <a:ext cx="6858000" cy="899362"/>
-            </a:xfrm>
-            <a:prstGeom prst="rect">
-              <a:avLst/>
-            </a:prstGeom>
-          </p:spPr>
-        </p:pic>
-        <p:pic>
-          <p:nvPicPr>
-            <p:cNvPr id="15" name="그림 14">
-              <a:extLst>
-                <a:ext uri="{FF2B5EF4-FFF2-40B4-BE49-F238E27FC236}">
-                  <a16:creationId xmlns:a16="http://schemas.microsoft.com/office/drawing/2014/main" id="{58973BA9-92EC-4C12-8BFB-F1BB13B09EAB}"/>
-                </a:ext>
-              </a:extLst>
-            </p:cNvPr>
-            <p:cNvPicPr>
-              <a:picLocks noChangeAspect="1"/>
-            </p:cNvPicPr>
-            <p:nvPr/>
-          </p:nvPicPr>
-          <p:blipFill rotWithShape="1">
-            <a:blip r:embed="rId2">
-              <a:extLst>
-                <a:ext uri="{28A0092B-C50C-407E-A947-70E740481C1C}">
-                  <a14:useLocalDpi xmlns:a14="http://schemas.microsoft.com/office/drawing/2010/main" val="0"/>
-                </a:ext>
-              </a:extLst>
-            </a:blip>
-            <a:srcRect t="35542" b="35742"/>
-            <a:stretch/>
-          </p:blipFill>
-          <p:spPr>
-            <a:xfrm>
-              <a:off x="0" y="4097532"/>
-              <a:ext cx="6858000" cy="942976"/>
-            </a:xfrm>
-            <a:prstGeom prst="rect">
-              <a:avLst/>
-            </a:prstGeom>
-          </p:spPr>
-        </p:pic>
-        <p:pic>
-          <p:nvPicPr>
-            <p:cNvPr id="17" name="그림 16">
-              <a:extLst>
-                <a:ext uri="{FF2B5EF4-FFF2-40B4-BE49-F238E27FC236}">
-                  <a16:creationId xmlns:a16="http://schemas.microsoft.com/office/drawing/2014/main" id="{151E2DE5-A671-4B5C-8559-CDF04BBABFC7}"/>
-                </a:ext>
-              </a:extLst>
-            </p:cNvPr>
-            <p:cNvPicPr>
-              <a:picLocks noChangeAspect="1"/>
-            </p:cNvPicPr>
-            <p:nvPr/>
-          </p:nvPicPr>
-          <p:blipFill rotWithShape="1">
-            <a:blip r:embed="rId2">
-              <a:extLst>
-                <a:ext uri="{28A0092B-C50C-407E-A947-70E740481C1C}">
-                  <a14:useLocalDpi xmlns:a14="http://schemas.microsoft.com/office/drawing/2010/main" val="0"/>
-                </a:ext>
-              </a:extLst>
-            </a:blip>
-            <a:srcRect t="71284"/>
-            <a:stretch/>
-          </p:blipFill>
-          <p:spPr>
-            <a:xfrm>
-              <a:off x="0" y="5888768"/>
-              <a:ext cx="6858000" cy="942976"/>
-            </a:xfrm>
-            <a:prstGeom prst="rect">
-              <a:avLst/>
-            </a:prstGeom>
-          </p:spPr>
-        </p:pic>
-        <p:sp>
-          <p:nvSpPr>
-            <p:cNvPr id="18" name="TextBox 17">
-              <a:extLst>
-                <a:ext uri="{FF2B5EF4-FFF2-40B4-BE49-F238E27FC236}">
-                  <a16:creationId xmlns:a16="http://schemas.microsoft.com/office/drawing/2014/main" id="{4275CFE8-D5A4-4B96-9578-0B55088EE316}"/>
-                </a:ext>
-              </a:extLst>
-            </p:cNvPr>
-            <p:cNvSpPr txBox="1"/>
-            <p:nvPr/>
-          </p:nvSpPr>
-          <p:spPr>
-            <a:xfrm>
-              <a:off x="220082" y="3488736"/>
-              <a:ext cx="6417836" cy="369332"/>
-            </a:xfrm>
-            <a:prstGeom prst="rect">
-              <a:avLst/>
-            </a:prstGeom>
-            <a:solidFill>
-              <a:schemeClr val="bg1">
-                <a:alpha val="20000"/>
-              </a:schemeClr>
-            </a:solidFill>
-          </p:spPr>
-          <p:txBody>
-            <a:bodyPr wrap="square" rtlCol="0">
-              <a:spAutoFit/>
-            </a:bodyPr>
-            <a:lstStyle/>
-            <a:p>
-              <a:pPr marL="285705" indent="-285705">
-                <a:buFontTx/>
-                <a:buChar char="-"/>
-              </a:pPr>
-              <a:r>
-                <a:rPr lang="ko-KR" altLang="en-US" b="1" dirty="0">
-                  <a:latin typeface="메이플스토리" panose="02000300000000000000" pitchFamily="2" charset="-127"/>
-                  <a:ea typeface="메이플스토리" panose="02000300000000000000" pitchFamily="2" charset="-127"/>
-                </a:rPr>
-                <a:t>점프 </a:t>
-              </a:r>
-              <a:r>
-                <a:rPr lang="en-US" altLang="ko-KR" b="1" dirty="0">
-                  <a:latin typeface="메이플스토리" panose="02000300000000000000" pitchFamily="2" charset="-127"/>
-                  <a:ea typeface="메이플스토리" panose="02000300000000000000" pitchFamily="2" charset="-127"/>
-                </a:rPr>
-                <a:t>CASE 2 (</a:t>
-              </a:r>
-              <a:r>
-                <a:rPr lang="ko-KR" altLang="en-US" b="1" dirty="0">
-                  <a:latin typeface="메이플스토리" panose="02000300000000000000" pitchFamily="2" charset="-127"/>
-                  <a:ea typeface="메이플스토리" panose="02000300000000000000" pitchFamily="2" charset="-127"/>
-                </a:rPr>
-                <a:t>점프 애니메이션 끝나기 전 착지</a:t>
-              </a:r>
-              <a:r>
-                <a:rPr lang="en-US" altLang="ko-KR" b="1" dirty="0">
-                  <a:latin typeface="메이플스토리" panose="02000300000000000000" pitchFamily="2" charset="-127"/>
-                  <a:ea typeface="메이플스토리" panose="02000300000000000000" pitchFamily="2" charset="-127"/>
-                </a:rPr>
-                <a:t>)</a:t>
-              </a:r>
-            </a:p>
-          </p:txBody>
-        </p:sp>
-      </p:grpSp>
-    </p:spTree>
-    <p:extLst>
-      <p:ext uri="{BB962C8B-B14F-4D97-AF65-F5344CB8AC3E}">
-        <p14:creationId xmlns:p14="http://schemas.microsoft.com/office/powerpoint/2010/main" val="3724017494"/>
-      </p:ext>
-    </p:extLst>
-  </p:cSld>
-  <p:clrMapOvr>
-    <a:masterClrMapping/>
-  </p:clrMapOvr>
-</p:sld>
-</file>
-
-<file path=ppt/slides/slide14.xml><?xml version="1.0" encoding="utf-8"?>
-<p:sld xmlns:a="http://schemas.openxmlformats.org/drawingml/2006/main" xmlns:r="http://schemas.openxmlformats.org/officeDocument/2006/relationships" xmlns:p="http://schemas.openxmlformats.org/presentationml/2006/main">
-  <p:cSld>
-    <p:spTree>
-      <p:nvGrpSpPr>
-        <p:cNvPr id="1" name=""/>
-        <p:cNvGrpSpPr/>
-        <p:nvPr/>
-      </p:nvGrpSpPr>
-      <p:grpSpPr>
-        <a:xfrm>
-          <a:off x="0" y="0"/>
-          <a:ext cx="0" cy="0"/>
-          <a:chOff x="0" y="0"/>
-          <a:chExt cx="0" cy="0"/>
-        </a:xfrm>
-      </p:grpSpPr>
-      <p:sp>
-        <p:nvSpPr>
-          <p:cNvPr id="31" name="직사각형 30">
-            <a:extLst>
-              <a:ext uri="{FF2B5EF4-FFF2-40B4-BE49-F238E27FC236}">
-                <a16:creationId xmlns:a16="http://schemas.microsoft.com/office/drawing/2014/main" id="{408EFC51-8FFE-4ADF-89E4-7E6457F42BE2}"/>
-              </a:ext>
-            </a:extLst>
-          </p:cNvPr>
-          <p:cNvSpPr/>
-          <p:nvPr/>
-        </p:nvSpPr>
-        <p:spPr>
-          <a:xfrm>
-            <a:off x="5" y="1125001"/>
-            <a:ext cx="6876481" cy="8781003"/>
-          </a:xfrm>
-          <a:prstGeom prst="rect">
-            <a:avLst/>
-          </a:prstGeom>
-          <a:solidFill>
-            <a:schemeClr val="bg2">
-              <a:lumMod val="25000"/>
-            </a:schemeClr>
-          </a:solidFill>
-          <a:ln>
-            <a:noFill/>
-          </a:ln>
-        </p:spPr>
-        <p:style>
-          <a:lnRef idx="2">
-            <a:schemeClr val="accent1">
-              <a:shade val="50000"/>
-            </a:schemeClr>
-          </a:lnRef>
-          <a:fillRef idx="1">
-            <a:schemeClr val="accent1"/>
-          </a:fillRef>
-          <a:effectRef idx="0">
-            <a:schemeClr val="accent1"/>
-          </a:effectRef>
-          <a:fontRef idx="minor">
-            <a:schemeClr val="lt1"/>
-          </a:fontRef>
-        </p:style>
-        <p:txBody>
-          <a:bodyPr rtlCol="0" anchor="ctr"/>
-          <a:lstStyle/>
-          <a:p>
-            <a:pPr algn="ctr"/>
-            <a:endParaRPr lang="ko-KR" altLang="en-US" dirty="0"/>
-          </a:p>
-        </p:txBody>
-      </p:sp>
-      <p:grpSp>
-        <p:nvGrpSpPr>
-          <p:cNvPr id="40" name="그룹 39">
-            <a:extLst>
-              <a:ext uri="{FF2B5EF4-FFF2-40B4-BE49-F238E27FC236}">
-                <a16:creationId xmlns:a16="http://schemas.microsoft.com/office/drawing/2014/main" id="{C8ACD09A-7386-4C29-9F45-6CE4B45403BD}"/>
-              </a:ext>
-            </a:extLst>
-          </p:cNvPr>
-          <p:cNvGrpSpPr/>
-          <p:nvPr/>
-        </p:nvGrpSpPr>
-        <p:grpSpPr>
-          <a:xfrm>
-            <a:off x="0" y="1046534"/>
-            <a:ext cx="6876480" cy="455116"/>
-            <a:chOff x="121920" y="1124997"/>
-            <a:chExt cx="6614160" cy="455116"/>
-          </a:xfrm>
-        </p:grpSpPr>
-        <p:sp>
-          <p:nvSpPr>
-            <p:cNvPr id="41" name="사각형: 둥근 모서리 40">
-              <a:extLst>
-                <a:ext uri="{FF2B5EF4-FFF2-40B4-BE49-F238E27FC236}">
-                  <a16:creationId xmlns:a16="http://schemas.microsoft.com/office/drawing/2014/main" id="{A8327ED5-DF33-4946-BC4E-07774C3552C8}"/>
-                </a:ext>
-              </a:extLst>
-            </p:cNvPr>
-            <p:cNvSpPr/>
-            <p:nvPr/>
-          </p:nvSpPr>
-          <p:spPr>
-            <a:xfrm>
-              <a:off x="121920" y="1124997"/>
-              <a:ext cx="6614160" cy="455116"/>
-            </a:xfrm>
-            <a:prstGeom prst="roundRect">
-              <a:avLst/>
-            </a:prstGeom>
-            <a:solidFill>
-              <a:schemeClr val="bg2">
-                <a:lumMod val="75000"/>
-              </a:schemeClr>
-            </a:solidFill>
-            <a:ln>
-              <a:noFill/>
-            </a:ln>
-          </p:spPr>
-          <p:style>
-            <a:lnRef idx="2">
-              <a:schemeClr val="accent1">
-                <a:shade val="50000"/>
-              </a:schemeClr>
-            </a:lnRef>
-            <a:fillRef idx="1">
-              <a:schemeClr val="accent1"/>
-            </a:fillRef>
-            <a:effectRef idx="0">
-              <a:schemeClr val="accent1"/>
-            </a:effectRef>
-            <a:fontRef idx="minor">
-              <a:schemeClr val="lt1"/>
-            </a:fontRef>
-          </p:style>
-          <p:txBody>
-            <a:bodyPr rtlCol="0" anchor="ctr"/>
-            <a:lstStyle/>
-            <a:p>
-              <a:pPr algn="ctr"/>
-              <a:endParaRPr lang="ko-KR" altLang="en-US" dirty="0"/>
-            </a:p>
-          </p:txBody>
-        </p:sp>
-        <p:sp>
-          <p:nvSpPr>
-            <p:cNvPr id="42" name="사각형: 둥근 모서리 41">
-              <a:extLst>
-                <a:ext uri="{FF2B5EF4-FFF2-40B4-BE49-F238E27FC236}">
-                  <a16:creationId xmlns:a16="http://schemas.microsoft.com/office/drawing/2014/main" id="{4831C118-97F2-4994-8350-618B0EEA3610}"/>
-                </a:ext>
-              </a:extLst>
-            </p:cNvPr>
-            <p:cNvSpPr/>
-            <p:nvPr/>
-          </p:nvSpPr>
-          <p:spPr>
-            <a:xfrm>
-              <a:off x="433199" y="1195522"/>
-              <a:ext cx="5991603" cy="318170"/>
-            </a:xfrm>
-            <a:prstGeom prst="roundRect">
-              <a:avLst/>
-            </a:prstGeom>
-            <a:solidFill>
-              <a:schemeClr val="bg2">
-                <a:lumMod val="50000"/>
-              </a:schemeClr>
-            </a:solidFill>
-            <a:ln>
-              <a:noFill/>
-            </a:ln>
-          </p:spPr>
-          <p:style>
-            <a:lnRef idx="2">
-              <a:schemeClr val="accent1">
-                <a:shade val="50000"/>
-              </a:schemeClr>
-            </a:lnRef>
-            <a:fillRef idx="1">
-              <a:schemeClr val="accent1"/>
-            </a:fillRef>
-            <a:effectRef idx="0">
-              <a:schemeClr val="accent1"/>
-            </a:effectRef>
-            <a:fontRef idx="minor">
-              <a:schemeClr val="lt1"/>
-            </a:fontRef>
-          </p:style>
-          <p:txBody>
-            <a:bodyPr rtlCol="0" anchor="ctr"/>
-            <a:lstStyle/>
-            <a:p>
-              <a:pPr algn="ctr"/>
-              <a:r>
                 <a:rPr lang="ko-KR" altLang="en-US" b="1" dirty="0" err="1">
                   <a:latin typeface="메이플스토리" panose="02000300000000000000" pitchFamily="2" charset="-127"/>
                   <a:ea typeface="메이플스토리" panose="02000300000000000000" pitchFamily="2" charset="-127"/>
@@ -9619,7 +9004,7 @@
         <p:spPr>
           <a:xfrm>
             <a:off x="280315" y="3135617"/>
-            <a:ext cx="6297381" cy="5755422"/>
+            <a:ext cx="6297381" cy="5262979"/>
           </a:xfrm>
           <a:prstGeom prst="rect">
             <a:avLst/>
@@ -10251,20 +9636,16 @@
             </a:r>
           </a:p>
           <a:p>
+            <a:endParaRPr lang="en-US" altLang="ko-KR" sz="1600" b="1" dirty="0">
+              <a:latin typeface="HY그래픽M" panose="02030600000101010101" pitchFamily="18" charset="-127"/>
+              <a:ea typeface="HY그래픽M" panose="02030600000101010101" pitchFamily="18" charset="-127"/>
+            </a:endParaRPr>
+          </a:p>
+          <a:p>
             <a:pPr marL="285705" indent="-285705">
               <a:buFontTx/>
               <a:buChar char="-"/>
             </a:pPr>
-            <a:endParaRPr lang="en-US" altLang="ko-KR" sz="1600" b="1" dirty="0">
-              <a:latin typeface="HY그래픽M" panose="02030600000101010101" pitchFamily="18" charset="-127"/>
-              <a:ea typeface="HY그래픽M" panose="02030600000101010101" pitchFamily="18" charset="-127"/>
-            </a:endParaRPr>
-          </a:p>
-          <a:p>
-            <a:pPr marL="285705" indent="-285705">
-              <a:buFontTx/>
-              <a:buChar char="-"/>
-            </a:pPr>
             <a:r>
               <a:rPr lang="en-US" altLang="ko-KR" sz="1600" b="1" dirty="0">
                 <a:latin typeface="HY그래픽M" panose="02030600000101010101" pitchFamily="18" charset="-127"/>
@@ -10273,11 +9654,32 @@
               <a:t> </a:t>
             </a:r>
             <a:r>
+              <a:rPr lang="ko-KR" altLang="en-US" sz="1600" b="1" dirty="0" err="1">
+                <a:latin typeface="HY그래픽M" panose="02030600000101010101" pitchFamily="18" charset="-127"/>
+                <a:ea typeface="HY그래픽M" panose="02030600000101010101" pitchFamily="18" charset="-127"/>
+              </a:rPr>
+              <a:t>대쉬는</a:t>
+            </a:r>
+            <a:r>
               <a:rPr lang="ko-KR" altLang="en-US" sz="1600" b="1" dirty="0">
                 <a:latin typeface="HY그래픽M" panose="02030600000101010101" pitchFamily="18" charset="-127"/>
                 <a:ea typeface="HY그래픽M" panose="02030600000101010101" pitchFamily="18" charset="-127"/>
               </a:rPr>
-              <a:t>기력은 </a:t>
+              <a:t> 지속시간이 있으며</a:t>
+            </a:r>
+            <a:r>
+              <a:rPr lang="en-US" altLang="ko-KR" sz="1600" b="1" dirty="0">
+                <a:latin typeface="HY그래픽M" panose="02030600000101010101" pitchFamily="18" charset="-127"/>
+                <a:ea typeface="HY그래픽M" panose="02030600000101010101" pitchFamily="18" charset="-127"/>
+              </a:rPr>
+              <a:t> </a:t>
+            </a:r>
+            <a:r>
+              <a:rPr lang="ko-KR" altLang="en-US" sz="1600" b="1" dirty="0">
+                <a:latin typeface="HY그래픽M" panose="02030600000101010101" pitchFamily="18" charset="-127"/>
+                <a:ea typeface="HY그래픽M" panose="02030600000101010101" pitchFamily="18" charset="-127"/>
+              </a:rPr>
+              <a:t>이 시간은 </a:t>
             </a:r>
             <a:r>
               <a:rPr lang="en-US" altLang="ko-KR" sz="1600" b="1" dirty="0" err="1">
@@ -10287,112 +9689,29 @@
                 <a:latin typeface="HY그래픽M" panose="02030600000101010101" pitchFamily="18" charset="-127"/>
                 <a:ea typeface="HY그래픽M" panose="02030600000101010101" pitchFamily="18" charset="-127"/>
               </a:rPr>
-              <a:t>sta</a:t>
+              <a:t>dash_maxtime</a:t>
+            </a:r>
+            <a:r>
+              <a:rPr lang="ko-KR" altLang="en-US" sz="1600" b="1" dirty="0">
+                <a:latin typeface="HY그래픽M" panose="02030600000101010101" pitchFamily="18" charset="-127"/>
+                <a:ea typeface="HY그래픽M" panose="02030600000101010101" pitchFamily="18" charset="-127"/>
+              </a:rPr>
+              <a:t>에 영향을 받는다</a:t>
             </a:r>
             <a:r>
               <a:rPr lang="en-US" altLang="ko-KR" sz="1600" b="1" dirty="0">
-                <a:solidFill>
-                  <a:schemeClr val="bg1"/>
-                </a:solidFill>
-                <a:latin typeface="HY그래픽M" panose="02030600000101010101" pitchFamily="18" charset="-127"/>
-                <a:ea typeface="HY그래픽M" panose="02030600000101010101" pitchFamily="18" charset="-127"/>
-              </a:rPr>
-              <a:t> </a:t>
-            </a:r>
-            <a:r>
-              <a:rPr lang="ko-KR" altLang="en-US" sz="1600" b="1" dirty="0" err="1">
-                <a:latin typeface="HY그래픽M" panose="02030600000101010101" pitchFamily="18" charset="-127"/>
-                <a:ea typeface="HY그래픽M" panose="02030600000101010101" pitchFamily="18" charset="-127"/>
-              </a:rPr>
-              <a:t>변수값이며</a:t>
-            </a:r>
-            <a:r>
-              <a:rPr lang="en-US" altLang="ko-KR" sz="1600" b="1" dirty="0">
-                <a:latin typeface="HY그래픽M" panose="02030600000101010101" pitchFamily="18" charset="-127"/>
-                <a:ea typeface="HY그래픽M" panose="02030600000101010101" pitchFamily="18" charset="-127"/>
-              </a:rPr>
-              <a:t> </a:t>
-            </a:r>
-            <a:r>
-              <a:rPr lang="en-US" altLang="ko-KR" sz="1600" b="1" dirty="0" err="1">
-                <a:solidFill>
-                  <a:schemeClr val="bg1"/>
-                </a:solidFill>
-                <a:latin typeface="HY그래픽M" panose="02030600000101010101" pitchFamily="18" charset="-127"/>
-                <a:ea typeface="HY그래픽M" panose="02030600000101010101" pitchFamily="18" charset="-127"/>
-              </a:rPr>
-              <a:t>sta_regen</a:t>
-            </a:r>
-            <a:r>
-              <a:rPr lang="ko-KR" altLang="en-US" sz="1600" b="1" dirty="0">
-                <a:latin typeface="HY그래픽M" panose="02030600000101010101" pitchFamily="18" charset="-127"/>
-                <a:ea typeface="HY그래픽M" panose="02030600000101010101" pitchFamily="18" charset="-127"/>
-              </a:rPr>
-              <a:t>에 영향을 받아 주기적으로 재생된다</a:t>
-            </a:r>
-            <a:r>
-              <a:rPr lang="en-US" altLang="ko-KR" sz="1600" b="1" dirty="0">
                 <a:latin typeface="HY그래픽M" panose="02030600000101010101" pitchFamily="18" charset="-127"/>
                 <a:ea typeface="HY그래픽M" panose="02030600000101010101" pitchFamily="18" charset="-127"/>
               </a:rPr>
               <a:t>.</a:t>
             </a:r>
-          </a:p>
-          <a:p>
             <a:endParaRPr lang="en-US" altLang="ko-KR" sz="1600" b="1" dirty="0">
+              <a:solidFill>
+                <a:schemeClr val="accent4"/>
+              </a:solidFill>
               <a:latin typeface="HY그래픽M" panose="02030600000101010101" pitchFamily="18" charset="-127"/>
               <a:ea typeface="HY그래픽M" panose="02030600000101010101" pitchFamily="18" charset="-127"/>
             </a:endParaRPr>
-          </a:p>
-          <a:p>
-            <a:pPr marL="285705" indent="-285705">
-              <a:buFontTx/>
-              <a:buChar char="-"/>
-            </a:pPr>
-            <a:r>
-              <a:rPr lang="en-US" altLang="ko-KR" sz="1600" b="1" dirty="0">
-                <a:latin typeface="HY그래픽M" panose="02030600000101010101" pitchFamily="18" charset="-127"/>
-                <a:ea typeface="HY그래픽M" panose="02030600000101010101" pitchFamily="18" charset="-127"/>
-              </a:rPr>
-              <a:t> </a:t>
-            </a:r>
-            <a:r>
-              <a:rPr lang="ko-KR" altLang="en-US" sz="1600" b="1" dirty="0">
-                <a:latin typeface="HY그래픽M" panose="02030600000101010101" pitchFamily="18" charset="-127"/>
-                <a:ea typeface="HY그래픽M" panose="02030600000101010101" pitchFamily="18" charset="-127"/>
-              </a:rPr>
-              <a:t>기력은 </a:t>
-            </a:r>
-            <a:r>
-              <a:rPr lang="ko-KR" altLang="en-US" sz="1600" b="1" dirty="0" err="1">
-                <a:solidFill>
-                  <a:schemeClr val="accent4"/>
-                </a:solidFill>
-                <a:latin typeface="HY그래픽M" panose="02030600000101010101" pitchFamily="18" charset="-127"/>
-                <a:ea typeface="HY그래픽M" panose="02030600000101010101" pitchFamily="18" charset="-127"/>
-              </a:rPr>
-              <a:t>대쉬</a:t>
-            </a:r>
-            <a:r>
-              <a:rPr lang="ko-KR" altLang="en-US" sz="1600" b="1" dirty="0">
-                <a:solidFill>
-                  <a:schemeClr val="accent4"/>
-                </a:solidFill>
-                <a:latin typeface="HY그래픽M" panose="02030600000101010101" pitchFamily="18" charset="-127"/>
-                <a:ea typeface="HY그래픽M" panose="02030600000101010101" pitchFamily="18" charset="-127"/>
-              </a:rPr>
-              <a:t> 도중이나 재사용 대기중일때는 재생되지 않는다</a:t>
-            </a:r>
-            <a:r>
-              <a:rPr lang="en-US" altLang="ko-KR" sz="1600" b="1" dirty="0">
-                <a:solidFill>
-                  <a:schemeClr val="accent4"/>
-                </a:solidFill>
-                <a:latin typeface="HY그래픽M" panose="02030600000101010101" pitchFamily="18" charset="-127"/>
-                <a:ea typeface="HY그래픽M" panose="02030600000101010101" pitchFamily="18" charset="-127"/>
-              </a:rPr>
-              <a:t>.</a:t>
-            </a:r>
           </a:p>
           <a:p>
             <a:pPr marL="285705" indent="-285705">
@@ -10490,7 +9809,7 @@
 </p:sld>
 </file>
 
-<file path=ppt/slides/slide15.xml><?xml version="1.0" encoding="utf-8"?>
+<file path=ppt/slides/slide14.xml><?xml version="1.0" encoding="utf-8"?>
 <p:sld xmlns:a="http://schemas.openxmlformats.org/drawingml/2006/main" xmlns:r="http://schemas.openxmlformats.org/officeDocument/2006/relationships" xmlns:p="http://schemas.openxmlformats.org/presentationml/2006/main">
   <p:cSld>
     <p:spTree>
@@ -11376,7 +10695,7 @@
 </p:sld>
 </file>
 
-<file path=ppt/slides/slide16.xml><?xml version="1.0" encoding="utf-8"?>
+<file path=ppt/slides/slide15.xml><?xml version="1.0" encoding="utf-8"?>
 <p:sld xmlns:a="http://schemas.openxmlformats.org/drawingml/2006/main" xmlns:r="http://schemas.openxmlformats.org/officeDocument/2006/relationships" xmlns:p="http://schemas.openxmlformats.org/presentationml/2006/main">
   <p:cSld>
     <p:spTree>
@@ -12348,7 +11667,7 @@
 </p:sld>
 </file>
 
-<file path=ppt/slides/slide17.xml><?xml version="1.0" encoding="utf-8"?>
+<file path=ppt/slides/slide16.xml><?xml version="1.0" encoding="utf-8"?>
 <p:sld xmlns:a="http://schemas.openxmlformats.org/drawingml/2006/main" xmlns:r="http://schemas.openxmlformats.org/officeDocument/2006/relationships" xmlns:p="http://schemas.openxmlformats.org/presentationml/2006/main">
   <p:cSld>
     <p:spTree>
@@ -12670,7 +11989,7 @@
         <p:spPr>
           <a:xfrm>
             <a:off x="280315" y="5447115"/>
-            <a:ext cx="6297381" cy="2985433"/>
+            <a:ext cx="6297381" cy="2769989"/>
           </a:xfrm>
           <a:prstGeom prst="rect">
             <a:avLst/>
@@ -12736,17 +12055,17 @@
                 <a:latin typeface="HY그래픽M" panose="02030600000101010101" pitchFamily="18" charset="-127"/>
                 <a:ea typeface="HY그래픽M" panose="02030600000101010101" pitchFamily="18" charset="-127"/>
               </a:rPr>
-              <a:t> 캐릭터의 체력은 </a:t>
-            </a:r>
-            <a:r>
-              <a:rPr lang="en-US" altLang="ko-KR" sz="1600" b="1" dirty="0">
+              <a:t> 캐릭터의 최대 체력은 </a:t>
+            </a:r>
+            <a:r>
+              <a:rPr lang="en-US" altLang="ko-KR" sz="1600" b="1" dirty="0" err="1">
                 <a:solidFill>
                   <a:schemeClr val="bg1"/>
                 </a:solidFill>
                 <a:latin typeface="HY그래픽M" panose="02030600000101010101" pitchFamily="18" charset="-127"/>
                 <a:ea typeface="HY그래픽M" panose="02030600000101010101" pitchFamily="18" charset="-127"/>
               </a:rPr>
-              <a:t>life</a:t>
+              <a:t>max_life</a:t>
             </a:r>
             <a:r>
               <a:rPr lang="en-US" altLang="ko-KR" sz="1600" b="1" dirty="0">
@@ -12833,7 +12152,7 @@
                 <a:latin typeface="HY그래픽M" panose="02030600000101010101" pitchFamily="18" charset="-127"/>
                 <a:ea typeface="HY그래픽M" panose="02030600000101010101" pitchFamily="18" charset="-127"/>
               </a:rPr>
-              <a:t> 캐릭터 사망에는 연출 목적 상 </a:t>
+              <a:t> 캐릭터 사망에는 연출목적상 </a:t>
             </a:r>
             <a:r>
               <a:rPr lang="ko-KR" altLang="en-US" sz="1600" b="1" dirty="0">
@@ -12921,6 +12240,16 @@
               <a:t>캐릭터는 해당 룸의 </a:t>
             </a:r>
             <a:r>
+              <a:rPr lang="ko-KR" altLang="en-US" sz="1600" b="1" dirty="0" err="1">
+                <a:solidFill>
+                  <a:schemeClr val="accent4"/>
+                </a:solidFill>
+                <a:latin typeface="HY그래픽M" panose="02030600000101010101" pitchFamily="18" charset="-127"/>
+                <a:ea typeface="HY그래픽M" panose="02030600000101010101" pitchFamily="18" charset="-127"/>
+              </a:rPr>
+              <a:t>리스폰지역에서</a:t>
+            </a:r>
+            <a:r>
               <a:rPr lang="ko-KR" altLang="en-US" sz="1600" b="1" dirty="0">
                 <a:solidFill>
                   <a:schemeClr val="accent4"/>
@@ -12928,7 +12257,7 @@
                 <a:latin typeface="HY그래픽M" panose="02030600000101010101" pitchFamily="18" charset="-127"/>
                 <a:ea typeface="HY그래픽M" panose="02030600000101010101" pitchFamily="18" charset="-127"/>
               </a:rPr>
-              <a:t>초기 위치에서 </a:t>
+              <a:t> </a:t>
             </a:r>
             <a:r>
               <a:rPr lang="ko-KR" altLang="en-US" sz="1600" b="1" dirty="0" err="1">
@@ -12984,7 +12313,7 @@
                 <a:latin typeface="HY그래픽M" panose="02030600000101010101" pitchFamily="18" charset="-127"/>
                 <a:ea typeface="HY그래픽M" panose="02030600000101010101" pitchFamily="18" charset="-127"/>
               </a:rPr>
-              <a:t>이 시스템의 세부사항에 대해선 레벨 제어 시스템 기획서에서 작성할 예정이다</a:t>
+              <a:t>이 시스템의 세부사항에 대해선 룸 시스템 기획서에서 작성할 예정이다</a:t>
             </a:r>
             <a:r>
               <a:rPr lang="en-US" altLang="ko-KR" sz="1400" i="1" dirty="0">
@@ -14757,60 +14086,6 @@
           </a:p>
         </p:txBody>
       </p:sp>
-      <p:sp>
-        <p:nvSpPr>
-          <p:cNvPr id="36" name="직사각형 35">
-            <a:extLst>
-              <a:ext uri="{FF2B5EF4-FFF2-40B4-BE49-F238E27FC236}">
-                <a16:creationId xmlns:a16="http://schemas.microsoft.com/office/drawing/2014/main" id="{09E39776-68B6-49F5-9304-8C32ABF49E54}"/>
-              </a:ext>
-            </a:extLst>
-          </p:cNvPr>
-          <p:cNvSpPr/>
-          <p:nvPr/>
-        </p:nvSpPr>
-        <p:spPr>
-          <a:xfrm>
-            <a:off x="372298" y="6135044"/>
-            <a:ext cx="1571625" cy="3749040"/>
-          </a:xfrm>
-          <a:prstGeom prst="rect">
-            <a:avLst/>
-          </a:prstGeom>
-          <a:solidFill>
-            <a:schemeClr val="bg1">
-              <a:alpha val="20000"/>
-            </a:schemeClr>
-          </a:solidFill>
-          <a:ln>
-            <a:noFill/>
-          </a:ln>
-        </p:spPr>
-        <p:style>
-          <a:lnRef idx="2">
-            <a:schemeClr val="accent1">
-              <a:shade val="50000"/>
-            </a:schemeClr>
-          </a:lnRef>
-          <a:fillRef idx="1">
-            <a:schemeClr val="accent1"/>
-          </a:fillRef>
-          <a:effectRef idx="0">
-            <a:schemeClr val="accent1"/>
-          </a:effectRef>
-          <a:fontRef idx="minor">
-            <a:schemeClr val="lt1"/>
-          </a:fontRef>
-        </p:style>
-        <p:txBody>
-          <a:bodyPr rtlCol="0" anchor="ctr"/>
-          <a:lstStyle/>
-          <a:p>
-            <a:pPr algn="ctr"/>
-            <a:endParaRPr lang="ko-KR" altLang="en-US"/>
-          </a:p>
-        </p:txBody>
-      </p:sp>
       <p:grpSp>
         <p:nvGrpSpPr>
           <p:cNvPr id="4" name="그룹 3">
@@ -14961,14 +14236,14 @@
           <p:nvPr>
             <p:extLst>
               <p:ext uri="{D42A27DB-BD31-4B8C-83A1-F6EECF244321}">
-                <p14:modId xmlns:p14="http://schemas.microsoft.com/office/powerpoint/2010/main" val="1193036897"/>
+                <p14:modId xmlns:p14="http://schemas.microsoft.com/office/powerpoint/2010/main" val="580919495"/>
               </p:ext>
             </p:extLst>
           </p:nvPr>
         </p:nvGraphicFramePr>
         <p:xfrm>
-          <a:off x="2098938" y="6135045"/>
-          <a:ext cx="4453918" cy="3749040"/>
+          <a:off x="376791" y="6109348"/>
+          <a:ext cx="6176062" cy="2263140"/>
         </p:xfrm>
         <a:graphic>
           <a:graphicData uri="http://schemas.openxmlformats.org/drawingml/2006/table">
@@ -14977,14 +14252,14 @@
                 <a:tableStyleId>{2D5ABB26-0587-4C30-8999-92F81FD0307C}</a:tableStyleId>
               </a:tblPr>
               <a:tblGrid>
-                <a:gridCol w="1132373">
+                <a:gridCol w="1570214">
                   <a:extLst>
                     <a:ext uri="{9D8B030D-6E8A-4147-A177-3AD203B41FA5}">
                       <a16:colId xmlns:a16="http://schemas.microsoft.com/office/drawing/2014/main" val="817514289"/>
                     </a:ext>
                   </a:extLst>
                 </a:gridCol>
-                <a:gridCol w="3321545">
+                <a:gridCol w="4605848">
                   <a:extLst>
                     <a:ext uri="{9D8B030D-6E8A-4147-A177-3AD203B41FA5}">
                       <a16:colId xmlns:a16="http://schemas.microsoft.com/office/drawing/2014/main" val="549595148"/>
@@ -14992,7 +14267,7 @@
                   </a:extLst>
                 </a:gridCol>
               </a:tblGrid>
-              <a:tr h="0">
+              <a:tr h="246170">
                 <a:tc gridSpan="2">
                   <a:txBody>
                     <a:bodyPr/>
@@ -15068,7 +14343,7 @@
                   </a:ext>
                 </a:extLst>
               </a:tr>
-              <a:tr h="0">
+              <a:tr h="246170">
                 <a:tc>
                   <a:txBody>
                     <a:bodyPr/>
@@ -15190,7 +14465,7 @@
                   </a:ext>
                 </a:extLst>
               </a:tr>
-              <a:tr h="0">
+              <a:tr h="246170">
                 <a:tc>
                   <a:txBody>
                     <a:bodyPr/>
@@ -15321,7 +14596,7 @@
                   </a:ext>
                 </a:extLst>
               </a:tr>
-              <a:tr h="0">
+              <a:tr h="246170">
                 <a:tc>
                   <a:txBody>
                     <a:bodyPr/>
@@ -15452,180 +14727,7 @@
                   </a:ext>
                 </a:extLst>
               </a:tr>
-              <a:tr h="0">
-                <a:tc>
-                  <a:txBody>
-                    <a:bodyPr/>
-                    <a:lstStyle/>
-                    <a:p>
-                      <a:pPr algn="ctr" latinLnBrk="1"/>
-                      <a:r>
-                        <a:rPr lang="en-US" altLang="ko-KR" sz="1050" dirty="0" err="1"/>
-                        <a:t>key_stack</a:t>
-                      </a:r>
-                      <a:endParaRPr lang="ko-KR" altLang="en-US" sz="1050" dirty="0"/>
-                    </a:p>
-                  </a:txBody>
-                  <a:tcPr anchor="ctr">
-                    <a:lnL w="12700" cap="flat" cmpd="sng" algn="ctr">
-                      <a:solidFill>
-                        <a:schemeClr val="tx1"/>
-                      </a:solidFill>
-                      <a:prstDash val="solid"/>
-                      <a:round/>
-                      <a:headEnd type="none" w="med" len="med"/>
-                      <a:tailEnd type="none" w="med" len="med"/>
-                    </a:lnL>
-                    <a:lnR w="12700" cap="flat" cmpd="sng" algn="ctr">
-                      <a:solidFill>
-                        <a:schemeClr val="tx1"/>
-                      </a:solidFill>
-                      <a:prstDash val="solid"/>
-                      <a:round/>
-                      <a:headEnd type="none" w="med" len="med"/>
-                      <a:tailEnd type="none" w="med" len="med"/>
-                    </a:lnR>
-                    <a:lnT w="12700" cap="flat" cmpd="sng" algn="ctr">
-                      <a:solidFill>
-                        <a:schemeClr val="tx1"/>
-                      </a:solidFill>
-                      <a:prstDash val="solid"/>
-                      <a:round/>
-                      <a:headEnd type="none" w="med" len="med"/>
-                      <a:tailEnd type="none" w="med" len="med"/>
-                    </a:lnT>
-                    <a:lnB w="12700" cap="flat" cmpd="sng" algn="ctr">
-                      <a:solidFill>
-                        <a:schemeClr val="tx1"/>
-                      </a:solidFill>
-                      <a:prstDash val="solid"/>
-                      <a:round/>
-                      <a:headEnd type="none" w="med" len="med"/>
-                      <a:tailEnd type="none" w="med" len="med"/>
-                    </a:lnB>
-                    <a:solidFill>
-                      <a:schemeClr val="bg1"/>
-                    </a:solidFill>
-                  </a:tcPr>
-                </a:tc>
-                <a:tc>
-                  <a:txBody>
-                    <a:bodyPr/>
-                    <a:lstStyle/>
-                    <a:p>
-                      <a:pPr algn="ctr" latinLnBrk="1"/>
-                      <a:r>
-                        <a:rPr lang="ko-KR" altLang="en-US" sz="1050" dirty="0"/>
-                        <a:t>캐릭터가 가진 열쇠의 개수</a:t>
-                      </a:r>
-                      <a:endParaRPr lang="en-US" altLang="ko-KR" sz="1050" dirty="0"/>
-                    </a:p>
-                    <a:p>
-                      <a:pPr marL="0" marR="0" lvl="0" indent="0" algn="ctr" defTabSz="685692" rtl="0" eaLnBrk="1" fontAlgn="auto" latinLnBrk="1" hangingPunct="1">
-                        <a:lnSpc>
-                          <a:spcPct val="100000"/>
-                        </a:lnSpc>
-                        <a:spcBef>
-                          <a:spcPts val="0"/>
-                        </a:spcBef>
-                        <a:spcAft>
-                          <a:spcPts val="0"/>
-                        </a:spcAft>
-                        <a:buClrTx/>
-                        <a:buSzTx/>
-                        <a:buFontTx/>
-                        <a:buNone/>
-                        <a:tabLst/>
-                        <a:defRPr/>
-                      </a:pPr>
-                      <a:r>
-                        <a:rPr lang="en-US" altLang="ko-KR" sz="1050" i="1" dirty="0">
-                          <a:solidFill>
-                            <a:schemeClr val="accent5">
-                              <a:lumMod val="50000"/>
-                            </a:schemeClr>
-                          </a:solidFill>
-                        </a:rPr>
-                        <a:t>(default</a:t>
-                      </a:r>
-                      <a:r>
-                        <a:rPr lang="ko-KR" altLang="en-US" sz="1050" i="1" dirty="0">
-                          <a:solidFill>
-                            <a:schemeClr val="accent5">
-                              <a:lumMod val="50000"/>
-                            </a:schemeClr>
-                          </a:solidFill>
-                        </a:rPr>
-                        <a:t>값은 </a:t>
-                      </a:r>
-                      <a:r>
-                        <a:rPr lang="en-US" altLang="ko-KR" sz="1050" i="1" dirty="0">
-                          <a:solidFill>
-                            <a:schemeClr val="accent5">
-                              <a:lumMod val="50000"/>
-                            </a:schemeClr>
-                          </a:solidFill>
-                        </a:rPr>
-                        <a:t>0)</a:t>
-                      </a:r>
-                      <a:endParaRPr lang="ko-KR" altLang="en-US" sz="1050" i="1" dirty="0">
-                        <a:solidFill>
-                          <a:schemeClr val="accent5">
-                            <a:lumMod val="50000"/>
-                          </a:schemeClr>
-                        </a:solidFill>
-                      </a:endParaRPr>
-                    </a:p>
-                  </a:txBody>
-                  <a:tcPr anchor="ctr">
-                    <a:lnL w="12700" cap="flat" cmpd="sng" algn="ctr">
-                      <a:solidFill>
-                        <a:schemeClr val="tx1"/>
-                      </a:solidFill>
-                      <a:prstDash val="solid"/>
-                      <a:round/>
-                      <a:headEnd type="none" w="med" len="med"/>
-                      <a:tailEnd type="none" w="med" len="med"/>
-                    </a:lnL>
-                    <a:lnR w="12700" cap="flat" cmpd="sng" algn="ctr">
-                      <a:solidFill>
-                        <a:schemeClr val="tx1"/>
-                      </a:solidFill>
-                      <a:prstDash val="solid"/>
-                      <a:round/>
-                      <a:headEnd type="none" w="med" len="med"/>
-                      <a:tailEnd type="none" w="med" len="med"/>
-                    </a:lnR>
-                    <a:lnT w="12700" cap="flat" cmpd="sng" algn="ctr">
-                      <a:solidFill>
-                        <a:schemeClr val="tx1"/>
-                      </a:solidFill>
-                      <a:prstDash val="solid"/>
-                      <a:round/>
-                      <a:headEnd type="none" w="med" len="med"/>
-                      <a:tailEnd type="none" w="med" len="med"/>
-                    </a:lnT>
-                    <a:lnB w="12700" cap="flat" cmpd="sng" algn="ctr">
-                      <a:solidFill>
-                        <a:schemeClr val="tx1"/>
-                      </a:solidFill>
-                      <a:prstDash val="solid"/>
-                      <a:round/>
-                      <a:headEnd type="none" w="med" len="med"/>
-                      <a:tailEnd type="none" w="med" len="med"/>
-                    </a:lnB>
-                    <a:solidFill>
-                      <a:schemeClr val="bg1"/>
-                    </a:solidFill>
-                  </a:tcPr>
-                </a:tc>
-                <a:extLst>
-                  <a:ext uri="{0D108BD9-81ED-4DB2-BD59-A6C34878D82A}">
-                    <a16:rowId xmlns:a16="http://schemas.microsoft.com/office/drawing/2014/main" val="1964579864"/>
-                  </a:ext>
-                </a:extLst>
-              </a:tr>
-              <a:tr h="0">
+              <a:tr h="246170">
                 <a:tc>
                   <a:txBody>
                     <a:bodyPr/>
@@ -15756,676 +14858,7 @@
                   </a:ext>
                 </a:extLst>
               </a:tr>
-              <a:tr h="0">
-                <a:tc>
-                  <a:txBody>
-                    <a:bodyPr/>
-                    <a:lstStyle/>
-                    <a:p>
-                      <a:pPr algn="ctr" latinLnBrk="1"/>
-                      <a:r>
-                        <a:rPr lang="en-US" altLang="ko-KR" sz="1050" dirty="0"/>
-                        <a:t>life</a:t>
-                      </a:r>
-                      <a:endParaRPr lang="ko-KR" altLang="en-US" sz="1050" dirty="0"/>
-                    </a:p>
-                  </a:txBody>
-                  <a:tcPr anchor="ctr">
-                    <a:lnL w="12700" cap="flat" cmpd="sng" algn="ctr">
-                      <a:solidFill>
-                        <a:schemeClr val="tx1"/>
-                      </a:solidFill>
-                      <a:prstDash val="solid"/>
-                      <a:round/>
-                      <a:headEnd type="none" w="med" len="med"/>
-                      <a:tailEnd type="none" w="med" len="med"/>
-                    </a:lnL>
-                    <a:lnR w="12700" cap="flat" cmpd="sng" algn="ctr">
-                      <a:solidFill>
-                        <a:schemeClr val="tx1"/>
-                      </a:solidFill>
-                      <a:prstDash val="solid"/>
-                      <a:round/>
-                      <a:headEnd type="none" w="med" len="med"/>
-                      <a:tailEnd type="none" w="med" len="med"/>
-                    </a:lnR>
-                    <a:lnT w="12700" cap="flat" cmpd="sng" algn="ctr">
-                      <a:solidFill>
-                        <a:schemeClr val="tx1"/>
-                      </a:solidFill>
-                      <a:prstDash val="solid"/>
-                      <a:round/>
-                      <a:headEnd type="none" w="med" len="med"/>
-                      <a:tailEnd type="none" w="med" len="med"/>
-                    </a:lnT>
-                    <a:lnB w="12700" cap="flat" cmpd="sng" algn="ctr">
-                      <a:solidFill>
-                        <a:schemeClr val="tx1"/>
-                      </a:solidFill>
-                      <a:prstDash val="solid"/>
-                      <a:round/>
-                      <a:headEnd type="none" w="med" len="med"/>
-                      <a:tailEnd type="none" w="med" len="med"/>
-                    </a:lnB>
-                    <a:solidFill>
-                      <a:schemeClr val="bg1"/>
-                    </a:solidFill>
-                  </a:tcPr>
-                </a:tc>
-                <a:tc>
-                  <a:txBody>
-                    <a:bodyPr/>
-                    <a:lstStyle/>
-                    <a:p>
-                      <a:pPr algn="ctr" latinLnBrk="1"/>
-                      <a:r>
-                        <a:rPr lang="ko-KR" altLang="en-US" sz="1050" dirty="0"/>
-                        <a:t>캐릭터의 현재 생명력</a:t>
-                      </a:r>
-                      <a:endParaRPr lang="en-US" altLang="ko-KR" sz="1050" dirty="0"/>
-                    </a:p>
-                    <a:p>
-                      <a:pPr marL="0" marR="0" lvl="0" indent="0" algn="ctr" defTabSz="685692" rtl="0" eaLnBrk="1" fontAlgn="auto" latinLnBrk="1" hangingPunct="1">
-                        <a:lnSpc>
-                          <a:spcPct val="100000"/>
-                        </a:lnSpc>
-                        <a:spcBef>
-                          <a:spcPts val="0"/>
-                        </a:spcBef>
-                        <a:spcAft>
-                          <a:spcPts val="0"/>
-                        </a:spcAft>
-                        <a:buClrTx/>
-                        <a:buSzTx/>
-                        <a:buFontTx/>
-                        <a:buNone/>
-                        <a:tabLst/>
-                        <a:defRPr/>
-                      </a:pPr>
-                      <a:r>
-                        <a:rPr lang="en-US" altLang="ko-KR" sz="1050" i="1" dirty="0">
-                          <a:solidFill>
-                            <a:schemeClr val="accent5">
-                              <a:lumMod val="50000"/>
-                            </a:schemeClr>
-                          </a:solidFill>
-                        </a:rPr>
-                        <a:t>(default</a:t>
-                      </a:r>
-                      <a:r>
-                        <a:rPr lang="ko-KR" altLang="en-US" sz="1050" i="1" dirty="0">
-                          <a:solidFill>
-                            <a:schemeClr val="accent5">
-                              <a:lumMod val="50000"/>
-                            </a:schemeClr>
-                          </a:solidFill>
-                        </a:rPr>
-                        <a:t>값은 </a:t>
-                      </a:r>
-                      <a:r>
-                        <a:rPr lang="en-US" altLang="ko-KR" sz="1050" i="1" dirty="0" err="1">
-                          <a:solidFill>
-                            <a:schemeClr val="accent5">
-                              <a:lumMod val="50000"/>
-                            </a:schemeClr>
-                          </a:solidFill>
-                        </a:rPr>
-                        <a:t>max_life</a:t>
-                      </a:r>
-                      <a:r>
-                        <a:rPr lang="en-US" altLang="ko-KR" sz="1050" i="1" dirty="0">
-                          <a:solidFill>
-                            <a:schemeClr val="accent5">
-                              <a:lumMod val="50000"/>
-                            </a:schemeClr>
-                          </a:solidFill>
-                        </a:rPr>
-                        <a:t>)</a:t>
-                      </a:r>
-                      <a:endParaRPr lang="ko-KR" altLang="en-US" sz="1050" i="1" dirty="0">
-                        <a:solidFill>
-                          <a:schemeClr val="accent5">
-                            <a:lumMod val="50000"/>
-                          </a:schemeClr>
-                        </a:solidFill>
-                      </a:endParaRPr>
-                    </a:p>
-                  </a:txBody>
-                  <a:tcPr anchor="ctr">
-                    <a:lnL w="12700" cap="flat" cmpd="sng" algn="ctr">
-                      <a:solidFill>
-                        <a:schemeClr val="tx1"/>
-                      </a:solidFill>
-                      <a:prstDash val="solid"/>
-                      <a:round/>
-                      <a:headEnd type="none" w="med" len="med"/>
-                      <a:tailEnd type="none" w="med" len="med"/>
-                    </a:lnL>
-                    <a:lnR w="12700" cap="flat" cmpd="sng" algn="ctr">
-                      <a:solidFill>
-                        <a:schemeClr val="tx1"/>
-                      </a:solidFill>
-                      <a:prstDash val="solid"/>
-                      <a:round/>
-                      <a:headEnd type="none" w="med" len="med"/>
-                      <a:tailEnd type="none" w="med" len="med"/>
-                    </a:lnR>
-                    <a:lnT w="12700" cap="flat" cmpd="sng" algn="ctr">
-                      <a:solidFill>
-                        <a:schemeClr val="tx1"/>
-                      </a:solidFill>
-                      <a:prstDash val="solid"/>
-                      <a:round/>
-                      <a:headEnd type="none" w="med" len="med"/>
-                      <a:tailEnd type="none" w="med" len="med"/>
-                    </a:lnT>
-                    <a:lnB w="12700" cap="flat" cmpd="sng" algn="ctr">
-                      <a:solidFill>
-                        <a:schemeClr val="tx1"/>
-                      </a:solidFill>
-                      <a:prstDash val="solid"/>
-                      <a:round/>
-                      <a:headEnd type="none" w="med" len="med"/>
-                      <a:tailEnd type="none" w="med" len="med"/>
-                    </a:lnB>
-                    <a:solidFill>
-                      <a:schemeClr val="bg1"/>
-                    </a:solidFill>
-                  </a:tcPr>
-                </a:tc>
-                <a:extLst>
-                  <a:ext uri="{0D108BD9-81ED-4DB2-BD59-A6C34878D82A}">
-                    <a16:rowId xmlns:a16="http://schemas.microsoft.com/office/drawing/2014/main" val="2218489040"/>
-                  </a:ext>
-                </a:extLst>
-              </a:tr>
-              <a:tr h="0">
-                <a:tc>
-                  <a:txBody>
-                    <a:bodyPr/>
-                    <a:lstStyle/>
-                    <a:p>
-                      <a:pPr algn="ctr" latinLnBrk="1"/>
-                      <a:r>
-                        <a:rPr lang="en-US" altLang="ko-KR" sz="1050" u="sng" dirty="0" err="1">
-                          <a:solidFill>
-                            <a:schemeClr val="accent6">
-                              <a:lumMod val="50000"/>
-                            </a:schemeClr>
-                          </a:solidFill>
-                        </a:rPr>
-                        <a:t>max_sta</a:t>
-                      </a:r>
-                      <a:endParaRPr lang="ko-KR" altLang="en-US" sz="1050" u="sng" dirty="0">
-                        <a:solidFill>
-                          <a:schemeClr val="accent6">
-                            <a:lumMod val="50000"/>
-                          </a:schemeClr>
-                        </a:solidFill>
-                      </a:endParaRPr>
-                    </a:p>
-                  </a:txBody>
-                  <a:tcPr anchor="ctr">
-                    <a:lnL w="12700" cap="flat" cmpd="sng" algn="ctr">
-                      <a:solidFill>
-                        <a:schemeClr val="tx1"/>
-                      </a:solidFill>
-                      <a:prstDash val="solid"/>
-                      <a:round/>
-                      <a:headEnd type="none" w="med" len="med"/>
-                      <a:tailEnd type="none" w="med" len="med"/>
-                    </a:lnL>
-                    <a:lnR w="12700" cap="flat" cmpd="sng" algn="ctr">
-                      <a:solidFill>
-                        <a:schemeClr val="tx1"/>
-                      </a:solidFill>
-                      <a:prstDash val="solid"/>
-                      <a:round/>
-                      <a:headEnd type="none" w="med" len="med"/>
-                      <a:tailEnd type="none" w="med" len="med"/>
-                    </a:lnR>
-                    <a:lnT w="12700" cap="flat" cmpd="sng" algn="ctr">
-                      <a:solidFill>
-                        <a:schemeClr val="tx1"/>
-                      </a:solidFill>
-                      <a:prstDash val="solid"/>
-                      <a:round/>
-                      <a:headEnd type="none" w="med" len="med"/>
-                      <a:tailEnd type="none" w="med" len="med"/>
-                    </a:lnT>
-                    <a:lnB w="12700" cap="flat" cmpd="sng" algn="ctr">
-                      <a:solidFill>
-                        <a:schemeClr val="tx1"/>
-                      </a:solidFill>
-                      <a:prstDash val="solid"/>
-                      <a:round/>
-                      <a:headEnd type="none" w="med" len="med"/>
-                      <a:tailEnd type="none" w="med" len="med"/>
-                    </a:lnB>
-                    <a:solidFill>
-                      <a:schemeClr val="accent6">
-                        <a:lumMod val="40000"/>
-                        <a:lumOff val="60000"/>
-                      </a:schemeClr>
-                    </a:solidFill>
-                  </a:tcPr>
-                </a:tc>
-                <a:tc>
-                  <a:txBody>
-                    <a:bodyPr/>
-                    <a:lstStyle/>
-                    <a:p>
-                      <a:pPr algn="ctr" latinLnBrk="1"/>
-                      <a:r>
-                        <a:rPr lang="ko-KR" altLang="en-US" sz="1050" dirty="0"/>
-                        <a:t>캐릭터의 최대 기력</a:t>
-                      </a:r>
-                    </a:p>
-                  </a:txBody>
-                  <a:tcPr anchor="ctr">
-                    <a:lnL w="12700" cap="flat" cmpd="sng" algn="ctr">
-                      <a:solidFill>
-                        <a:schemeClr val="tx1"/>
-                      </a:solidFill>
-                      <a:prstDash val="solid"/>
-                      <a:round/>
-                      <a:headEnd type="none" w="med" len="med"/>
-                      <a:tailEnd type="none" w="med" len="med"/>
-                    </a:lnL>
-                    <a:lnR w="12700" cap="flat" cmpd="sng" algn="ctr">
-                      <a:solidFill>
-                        <a:schemeClr val="tx1"/>
-                      </a:solidFill>
-                      <a:prstDash val="solid"/>
-                      <a:round/>
-                      <a:headEnd type="none" w="med" len="med"/>
-                      <a:tailEnd type="none" w="med" len="med"/>
-                    </a:lnR>
-                    <a:lnT w="12700" cap="flat" cmpd="sng" algn="ctr">
-                      <a:solidFill>
-                        <a:schemeClr val="tx1"/>
-                      </a:solidFill>
-                      <a:prstDash val="solid"/>
-                      <a:round/>
-                      <a:headEnd type="none" w="med" len="med"/>
-                      <a:tailEnd type="none" w="med" len="med"/>
-                    </a:lnT>
-                    <a:lnB w="12700" cap="flat" cmpd="sng" algn="ctr">
-                      <a:solidFill>
-                        <a:schemeClr val="tx1"/>
-                      </a:solidFill>
-                      <a:prstDash val="solid"/>
-                      <a:round/>
-                      <a:headEnd type="none" w="med" len="med"/>
-                      <a:tailEnd type="none" w="med" len="med"/>
-                    </a:lnB>
-                    <a:solidFill>
-                      <a:schemeClr val="bg1"/>
-                    </a:solidFill>
-                  </a:tcPr>
-                </a:tc>
-                <a:extLst>
-                  <a:ext uri="{0D108BD9-81ED-4DB2-BD59-A6C34878D82A}">
-                    <a16:rowId xmlns:a16="http://schemas.microsoft.com/office/drawing/2014/main" val="2644128714"/>
-                  </a:ext>
-                </a:extLst>
-              </a:tr>
-              <a:tr h="0">
-                <a:tc>
-                  <a:txBody>
-                    <a:bodyPr/>
-                    <a:lstStyle/>
-                    <a:p>
-                      <a:pPr algn="ctr" latinLnBrk="1"/>
-                      <a:r>
-                        <a:rPr lang="en-US" altLang="ko-KR" sz="1050" dirty="0" err="1"/>
-                        <a:t>sta</a:t>
-                      </a:r>
-                      <a:endParaRPr lang="ko-KR" altLang="en-US" sz="1050" dirty="0"/>
-                    </a:p>
-                  </a:txBody>
-                  <a:tcPr anchor="ctr">
-                    <a:lnL w="12700" cap="flat" cmpd="sng" algn="ctr">
-                      <a:solidFill>
-                        <a:schemeClr val="tx1"/>
-                      </a:solidFill>
-                      <a:prstDash val="solid"/>
-                      <a:round/>
-                      <a:headEnd type="none" w="med" len="med"/>
-                      <a:tailEnd type="none" w="med" len="med"/>
-                    </a:lnL>
-                    <a:lnR w="12700" cap="flat" cmpd="sng" algn="ctr">
-                      <a:solidFill>
-                        <a:schemeClr val="tx1"/>
-                      </a:solidFill>
-                      <a:prstDash val="solid"/>
-                      <a:round/>
-                      <a:headEnd type="none" w="med" len="med"/>
-                      <a:tailEnd type="none" w="med" len="med"/>
-                    </a:lnR>
-                    <a:lnT w="12700" cap="flat" cmpd="sng" algn="ctr">
-                      <a:solidFill>
-                        <a:schemeClr val="tx1"/>
-                      </a:solidFill>
-                      <a:prstDash val="solid"/>
-                      <a:round/>
-                      <a:headEnd type="none" w="med" len="med"/>
-                      <a:tailEnd type="none" w="med" len="med"/>
-                    </a:lnT>
-                    <a:lnB w="12700" cap="flat" cmpd="sng" algn="ctr">
-                      <a:solidFill>
-                        <a:schemeClr val="tx1"/>
-                      </a:solidFill>
-                      <a:prstDash val="solid"/>
-                      <a:round/>
-                      <a:headEnd type="none" w="med" len="med"/>
-                      <a:tailEnd type="none" w="med" len="med"/>
-                    </a:lnB>
-                    <a:solidFill>
-                      <a:schemeClr val="bg1"/>
-                    </a:solidFill>
-                  </a:tcPr>
-                </a:tc>
-                <a:tc>
-                  <a:txBody>
-                    <a:bodyPr/>
-                    <a:lstStyle/>
-                    <a:p>
-                      <a:pPr algn="ctr" latinLnBrk="1"/>
-                      <a:r>
-                        <a:rPr lang="ko-KR" altLang="en-US" sz="1050" dirty="0"/>
-                        <a:t>캐릭터의 현재 기력</a:t>
-                      </a:r>
-                      <a:endParaRPr lang="en-US" altLang="ko-KR" sz="1050" dirty="0"/>
-                    </a:p>
-                    <a:p>
-                      <a:pPr marL="0" marR="0" lvl="0" indent="0" algn="ctr" defTabSz="685692" rtl="0" eaLnBrk="1" fontAlgn="auto" latinLnBrk="1" hangingPunct="1">
-                        <a:lnSpc>
-                          <a:spcPct val="100000"/>
-                        </a:lnSpc>
-                        <a:spcBef>
-                          <a:spcPts val="0"/>
-                        </a:spcBef>
-                        <a:spcAft>
-                          <a:spcPts val="0"/>
-                        </a:spcAft>
-                        <a:buClrTx/>
-                        <a:buSzTx/>
-                        <a:buFontTx/>
-                        <a:buNone/>
-                        <a:tabLst/>
-                        <a:defRPr/>
-                      </a:pPr>
-                      <a:r>
-                        <a:rPr lang="en-US" altLang="ko-KR" sz="1050" i="1" dirty="0">
-                          <a:solidFill>
-                            <a:schemeClr val="accent5">
-                              <a:lumMod val="50000"/>
-                            </a:schemeClr>
-                          </a:solidFill>
-                        </a:rPr>
-                        <a:t>(default</a:t>
-                      </a:r>
-                      <a:r>
-                        <a:rPr lang="ko-KR" altLang="en-US" sz="1050" i="1" dirty="0">
-                          <a:solidFill>
-                            <a:schemeClr val="accent5">
-                              <a:lumMod val="50000"/>
-                            </a:schemeClr>
-                          </a:solidFill>
-                        </a:rPr>
-                        <a:t>값은 </a:t>
-                      </a:r>
-                      <a:r>
-                        <a:rPr lang="en-US" altLang="ko-KR" sz="1050" i="1" dirty="0" err="1">
-                          <a:solidFill>
-                            <a:schemeClr val="accent5">
-                              <a:lumMod val="50000"/>
-                            </a:schemeClr>
-                          </a:solidFill>
-                        </a:rPr>
-                        <a:t>max_sta</a:t>
-                      </a:r>
-                      <a:r>
-                        <a:rPr lang="en-US" altLang="ko-KR" sz="1050" i="1" dirty="0">
-                          <a:solidFill>
-                            <a:schemeClr val="accent5">
-                              <a:lumMod val="50000"/>
-                            </a:schemeClr>
-                          </a:solidFill>
-                        </a:rPr>
-                        <a:t>)</a:t>
-                      </a:r>
-                      <a:endParaRPr lang="ko-KR" altLang="en-US" sz="1050" i="1" dirty="0">
-                        <a:solidFill>
-                          <a:schemeClr val="accent5">
-                            <a:lumMod val="50000"/>
-                          </a:schemeClr>
-                        </a:solidFill>
-                      </a:endParaRPr>
-                    </a:p>
-                  </a:txBody>
-                  <a:tcPr anchor="ctr">
-                    <a:lnL w="12700" cap="flat" cmpd="sng" algn="ctr">
-                      <a:solidFill>
-                        <a:schemeClr val="tx1"/>
-                      </a:solidFill>
-                      <a:prstDash val="solid"/>
-                      <a:round/>
-                      <a:headEnd type="none" w="med" len="med"/>
-                      <a:tailEnd type="none" w="med" len="med"/>
-                    </a:lnL>
-                    <a:lnR w="12700" cap="flat" cmpd="sng" algn="ctr">
-                      <a:solidFill>
-                        <a:schemeClr val="tx1"/>
-                      </a:solidFill>
-                      <a:prstDash val="solid"/>
-                      <a:round/>
-                      <a:headEnd type="none" w="med" len="med"/>
-                      <a:tailEnd type="none" w="med" len="med"/>
-                    </a:lnR>
-                    <a:lnT w="12700" cap="flat" cmpd="sng" algn="ctr">
-                      <a:solidFill>
-                        <a:schemeClr val="tx1"/>
-                      </a:solidFill>
-                      <a:prstDash val="solid"/>
-                      <a:round/>
-                      <a:headEnd type="none" w="med" len="med"/>
-                      <a:tailEnd type="none" w="med" len="med"/>
-                    </a:lnT>
-                    <a:lnB w="12700" cap="flat" cmpd="sng" algn="ctr">
-                      <a:solidFill>
-                        <a:schemeClr val="tx1"/>
-                      </a:solidFill>
-                      <a:prstDash val="solid"/>
-                      <a:round/>
-                      <a:headEnd type="none" w="med" len="med"/>
-                      <a:tailEnd type="none" w="med" len="med"/>
-                    </a:lnB>
-                    <a:solidFill>
-                      <a:schemeClr val="bg1"/>
-                    </a:solidFill>
-                  </a:tcPr>
-                </a:tc>
-                <a:extLst>
-                  <a:ext uri="{0D108BD9-81ED-4DB2-BD59-A6C34878D82A}">
-                    <a16:rowId xmlns:a16="http://schemas.microsoft.com/office/drawing/2014/main" val="2460914715"/>
-                  </a:ext>
-                </a:extLst>
-              </a:tr>
-              <a:tr h="0">
-                <a:tc>
-                  <a:txBody>
-                    <a:bodyPr/>
-                    <a:lstStyle/>
-                    <a:p>
-                      <a:pPr algn="ctr" latinLnBrk="1"/>
-                      <a:r>
-                        <a:rPr lang="en-US" altLang="ko-KR" sz="1050" u="sng" dirty="0" err="1">
-                          <a:solidFill>
-                            <a:schemeClr val="accent6">
-                              <a:lumMod val="50000"/>
-                            </a:schemeClr>
-                          </a:solidFill>
-                        </a:rPr>
-                        <a:t>sta_regen</a:t>
-                      </a:r>
-                      <a:endParaRPr lang="ko-KR" altLang="en-US" sz="1050" u="sng" dirty="0">
-                        <a:solidFill>
-                          <a:schemeClr val="accent6">
-                            <a:lumMod val="50000"/>
-                          </a:schemeClr>
-                        </a:solidFill>
-                      </a:endParaRPr>
-                    </a:p>
-                  </a:txBody>
-                  <a:tcPr anchor="ctr">
-                    <a:lnL w="12700" cap="flat" cmpd="sng" algn="ctr">
-                      <a:solidFill>
-                        <a:schemeClr val="tx1"/>
-                      </a:solidFill>
-                      <a:prstDash val="solid"/>
-                      <a:round/>
-                      <a:headEnd type="none" w="med" len="med"/>
-                      <a:tailEnd type="none" w="med" len="med"/>
-                    </a:lnL>
-                    <a:lnR w="12700" cap="flat" cmpd="sng" algn="ctr">
-                      <a:solidFill>
-                        <a:schemeClr val="tx1"/>
-                      </a:solidFill>
-                      <a:prstDash val="solid"/>
-                      <a:round/>
-                      <a:headEnd type="none" w="med" len="med"/>
-                      <a:tailEnd type="none" w="med" len="med"/>
-                    </a:lnR>
-                    <a:lnT w="12700" cap="flat" cmpd="sng" algn="ctr">
-                      <a:solidFill>
-                        <a:schemeClr val="tx1"/>
-                      </a:solidFill>
-                      <a:prstDash val="solid"/>
-                      <a:round/>
-                      <a:headEnd type="none" w="med" len="med"/>
-                      <a:tailEnd type="none" w="med" len="med"/>
-                    </a:lnT>
-                    <a:lnB w="12700" cap="flat" cmpd="sng" algn="ctr">
-                      <a:solidFill>
-                        <a:schemeClr val="tx1"/>
-                      </a:solidFill>
-                      <a:prstDash val="solid"/>
-                      <a:round/>
-                      <a:headEnd type="none" w="med" len="med"/>
-                      <a:tailEnd type="none" w="med" len="med"/>
-                    </a:lnB>
-                    <a:solidFill>
-                      <a:schemeClr val="accent6">
-                        <a:lumMod val="40000"/>
-                        <a:lumOff val="60000"/>
-                      </a:schemeClr>
-                    </a:solidFill>
-                  </a:tcPr>
-                </a:tc>
-                <a:tc>
-                  <a:txBody>
-                    <a:bodyPr/>
-                    <a:lstStyle/>
-                    <a:p>
-                      <a:pPr marL="0" marR="0" lvl="0" indent="0" algn="ctr" defTabSz="685692" rtl="0" eaLnBrk="1" fontAlgn="auto" latinLnBrk="1" hangingPunct="1">
-                        <a:lnSpc>
-                          <a:spcPct val="100000"/>
-                        </a:lnSpc>
-                        <a:spcBef>
-                          <a:spcPts val="0"/>
-                        </a:spcBef>
-                        <a:spcAft>
-                          <a:spcPts val="0"/>
-                        </a:spcAft>
-                        <a:buClrTx/>
-                        <a:buSzTx/>
-                        <a:buFontTx/>
-                        <a:buNone/>
-                        <a:tabLst/>
-                        <a:defRPr/>
-                      </a:pPr>
-                      <a:r>
-                        <a:rPr lang="ko-KR" altLang="en-US" sz="1050" i="0" dirty="0">
-                          <a:solidFill>
-                            <a:schemeClr val="tx1"/>
-                          </a:solidFill>
-                        </a:rPr>
-                        <a:t>캐릭터의 기력</a:t>
-                      </a:r>
-                      <a:r>
-                        <a:rPr lang="en-US" altLang="ko-KR" sz="1050" i="0" dirty="0">
-                          <a:solidFill>
-                            <a:schemeClr val="tx1"/>
-                          </a:solidFill>
-                        </a:rPr>
-                        <a:t> </a:t>
-                      </a:r>
-                      <a:r>
-                        <a:rPr lang="ko-KR" altLang="en-US" sz="1050" i="0" dirty="0" err="1">
-                          <a:solidFill>
-                            <a:schemeClr val="tx1"/>
-                          </a:solidFill>
-                        </a:rPr>
-                        <a:t>재생량</a:t>
-                      </a:r>
-                      <a:endParaRPr lang="ko-KR" altLang="en-US" sz="1050" i="0" dirty="0">
-                        <a:solidFill>
-                          <a:schemeClr val="tx1"/>
-                        </a:solidFill>
-                      </a:endParaRPr>
-                    </a:p>
-                  </a:txBody>
-                  <a:tcPr anchor="ctr">
-                    <a:lnL w="12700" cap="flat" cmpd="sng" algn="ctr">
-                      <a:solidFill>
-                        <a:schemeClr val="tx1"/>
-                      </a:solidFill>
-                      <a:prstDash val="solid"/>
-                      <a:round/>
-                      <a:headEnd type="none" w="med" len="med"/>
-                      <a:tailEnd type="none" w="med" len="med"/>
-                    </a:lnL>
-                    <a:lnR w="12700" cap="flat" cmpd="sng" algn="ctr">
-                      <a:solidFill>
-                        <a:schemeClr val="tx1"/>
-                      </a:solidFill>
-                      <a:prstDash val="solid"/>
-                      <a:round/>
-                      <a:headEnd type="none" w="med" len="med"/>
-                      <a:tailEnd type="none" w="med" len="med"/>
-                    </a:lnR>
-                    <a:lnT w="12700" cap="flat" cmpd="sng" algn="ctr">
-                      <a:solidFill>
-                        <a:schemeClr val="tx1"/>
-                      </a:solidFill>
-                      <a:prstDash val="solid"/>
-                      <a:round/>
-                      <a:headEnd type="none" w="med" len="med"/>
-                      <a:tailEnd type="none" w="med" len="med"/>
-                    </a:lnT>
-                    <a:lnB w="12700" cap="flat" cmpd="sng" algn="ctr">
-                      <a:solidFill>
-                        <a:schemeClr val="tx1"/>
-                      </a:solidFill>
-                      <a:prstDash val="solid"/>
-                      <a:round/>
-                      <a:headEnd type="none" w="med" len="med"/>
-                      <a:tailEnd type="none" w="med" len="med"/>
-                    </a:lnB>
-                    <a:solidFill>
-                      <a:schemeClr val="bg1"/>
-                    </a:solidFill>
-                  </a:tcPr>
-                </a:tc>
-                <a:extLst>
-                  <a:ext uri="{0D108BD9-81ED-4DB2-BD59-A6C34878D82A}">
-                    <a16:rowId xmlns:a16="http://schemas.microsoft.com/office/drawing/2014/main" val="736105006"/>
-                  </a:ext>
-                </a:extLst>
-              </a:tr>
-              <a:tr h="0">
+              <a:tr h="246170">
                 <a:tc>
                   <a:txBody>
                     <a:bodyPr/>
@@ -16576,7 +15009,158 @@
                   </a:ext>
                 </a:extLst>
               </a:tr>
-              <a:tr h="0">
+              <a:tr h="246170">
+                <a:tc>
+                  <a:txBody>
+                    <a:bodyPr/>
+                    <a:lstStyle/>
+                    <a:p>
+                      <a:pPr algn="ctr" latinLnBrk="1"/>
+                      <a:r>
+                        <a:rPr lang="en-US" altLang="ko-KR" sz="1050" u="sng" dirty="0" err="1">
+                          <a:solidFill>
+                            <a:schemeClr val="accent6">
+                              <a:lumMod val="50000"/>
+                            </a:schemeClr>
+                          </a:solidFill>
+                        </a:rPr>
+                        <a:t>dash_maxtime</a:t>
+                      </a:r>
+                      <a:endParaRPr lang="ko-KR" altLang="en-US" sz="1050" u="sng" dirty="0">
+                        <a:solidFill>
+                          <a:schemeClr val="accent6">
+                            <a:lumMod val="50000"/>
+                          </a:schemeClr>
+                        </a:solidFill>
+                      </a:endParaRPr>
+                    </a:p>
+                  </a:txBody>
+                  <a:tcPr anchor="ctr">
+                    <a:lnL w="12700" cap="flat" cmpd="sng" algn="ctr">
+                      <a:solidFill>
+                        <a:schemeClr val="tx1"/>
+                      </a:solidFill>
+                      <a:prstDash val="solid"/>
+                      <a:round/>
+                      <a:headEnd type="none" w="med" len="med"/>
+                      <a:tailEnd type="none" w="med" len="med"/>
+                    </a:lnL>
+                    <a:lnR w="12700" cap="flat" cmpd="sng" algn="ctr">
+                      <a:solidFill>
+                        <a:schemeClr val="tx1"/>
+                      </a:solidFill>
+                      <a:prstDash val="solid"/>
+                      <a:round/>
+                      <a:headEnd type="none" w="med" len="med"/>
+                      <a:tailEnd type="none" w="med" len="med"/>
+                    </a:lnR>
+                    <a:lnT w="12700" cap="flat" cmpd="sng" algn="ctr">
+                      <a:solidFill>
+                        <a:schemeClr val="tx1"/>
+                      </a:solidFill>
+                      <a:prstDash val="solid"/>
+                      <a:round/>
+                      <a:headEnd type="none" w="med" len="med"/>
+                      <a:tailEnd type="none" w="med" len="med"/>
+                    </a:lnT>
+                    <a:lnB w="12700" cap="flat" cmpd="sng" algn="ctr">
+                      <a:solidFill>
+                        <a:schemeClr val="tx1"/>
+                      </a:solidFill>
+                      <a:prstDash val="solid"/>
+                      <a:round/>
+                      <a:headEnd type="none" w="med" len="med"/>
+                      <a:tailEnd type="none" w="med" len="med"/>
+                    </a:lnB>
+                    <a:solidFill>
+                      <a:schemeClr val="accent6">
+                        <a:lumMod val="40000"/>
+                        <a:lumOff val="60000"/>
+                      </a:schemeClr>
+                    </a:solidFill>
+                  </a:tcPr>
+                </a:tc>
+                <a:tc>
+                  <a:txBody>
+                    <a:bodyPr/>
+                    <a:lstStyle/>
+                    <a:p>
+                      <a:pPr marL="0" marR="0" lvl="0" indent="0" algn="ctr" defTabSz="685692" rtl="0" eaLnBrk="1" fontAlgn="auto" latinLnBrk="1" hangingPunct="1">
+                        <a:lnSpc>
+                          <a:spcPct val="100000"/>
+                        </a:lnSpc>
+                        <a:spcBef>
+                          <a:spcPts val="0"/>
+                        </a:spcBef>
+                        <a:spcAft>
+                          <a:spcPts val="0"/>
+                        </a:spcAft>
+                        <a:buClrTx/>
+                        <a:buSzTx/>
+                        <a:buFontTx/>
+                        <a:buNone/>
+                        <a:tabLst/>
+                        <a:defRPr/>
+                      </a:pPr>
+                      <a:r>
+                        <a:rPr lang="ko-KR" altLang="en-US" sz="1050" i="0" dirty="0">
+                          <a:solidFill>
+                            <a:schemeClr val="tx1"/>
+                          </a:solidFill>
+                        </a:rPr>
+                        <a:t>대시의 최대 지속시간</a:t>
+                      </a:r>
+                    </a:p>
+                  </a:txBody>
+                  <a:tcPr anchor="ctr">
+                    <a:lnL w="12700" cap="flat" cmpd="sng" algn="ctr">
+                      <a:solidFill>
+                        <a:schemeClr val="tx1"/>
+                      </a:solidFill>
+                      <a:prstDash val="solid"/>
+                      <a:round/>
+                      <a:headEnd type="none" w="med" len="med"/>
+                      <a:tailEnd type="none" w="med" len="med"/>
+                    </a:lnL>
+                    <a:lnR w="12700" cap="flat" cmpd="sng" algn="ctr">
+                      <a:solidFill>
+                        <a:schemeClr val="tx1"/>
+                      </a:solidFill>
+                      <a:prstDash val="solid"/>
+                      <a:round/>
+                      <a:headEnd type="none" w="med" len="med"/>
+                      <a:tailEnd type="none" w="med" len="med"/>
+                    </a:lnR>
+                    <a:lnT w="12700" cap="flat" cmpd="sng" algn="ctr">
+                      <a:solidFill>
+                        <a:schemeClr val="tx1"/>
+                      </a:solidFill>
+                      <a:prstDash val="solid"/>
+                      <a:round/>
+                      <a:headEnd type="none" w="med" len="med"/>
+                      <a:tailEnd type="none" w="med" len="med"/>
+                    </a:lnT>
+                    <a:lnB w="12700" cap="flat" cmpd="sng" algn="ctr">
+                      <a:solidFill>
+                        <a:schemeClr val="tx1"/>
+                      </a:solidFill>
+                      <a:prstDash val="solid"/>
+                      <a:round/>
+                      <a:headEnd type="none" w="med" len="med"/>
+                      <a:tailEnd type="none" w="med" len="med"/>
+                    </a:lnB>
+                    <a:solidFill>
+                      <a:schemeClr val="bg1"/>
+                    </a:solidFill>
+                  </a:tcPr>
+                </a:tc>
+                <a:extLst>
+                  <a:ext uri="{0D108BD9-81ED-4DB2-BD59-A6C34878D82A}">
+                    <a16:rowId xmlns:a16="http://schemas.microsoft.com/office/drawing/2014/main" val="2610000201"/>
+                  </a:ext>
+                </a:extLst>
+              </a:tr>
+              <a:tr h="246170">
                 <a:tc>
                   <a:txBody>
                     <a:bodyPr/>
@@ -16727,7 +15311,7 @@
                   </a:ext>
                 </a:extLst>
               </a:tr>
-              <a:tr h="0">
+              <a:tr h="246170">
                 <a:tc>
                   <a:txBody>
                     <a:bodyPr/>
@@ -16934,90 +15518,6 @@
                 <a:ea typeface="+mj-ea"/>
               </a:rPr>
               <a:t>WA</a:t>
-            </a:r>
-          </a:p>
-        </p:txBody>
-      </p:sp>
-      <p:sp>
-        <p:nvSpPr>
-          <p:cNvPr id="17" name="직사각형 16">
-            <a:extLst>
-              <a:ext uri="{FF2B5EF4-FFF2-40B4-BE49-F238E27FC236}">
-                <a16:creationId xmlns:a16="http://schemas.microsoft.com/office/drawing/2014/main" id="{2A358B12-6E53-4AC9-B571-7366172A4C62}"/>
-              </a:ext>
-            </a:extLst>
-          </p:cNvPr>
-          <p:cNvSpPr/>
-          <p:nvPr/>
-        </p:nvSpPr>
-        <p:spPr>
-          <a:xfrm>
-            <a:off x="548569" y="7319510"/>
-            <a:ext cx="1219081" cy="374269"/>
-          </a:xfrm>
-          <a:prstGeom prst="rect">
-            <a:avLst/>
-          </a:prstGeom>
-          <a:solidFill>
-            <a:schemeClr val="accent6">
-              <a:lumMod val="40000"/>
-              <a:lumOff val="60000"/>
-            </a:schemeClr>
-          </a:solidFill>
-          <a:ln>
-            <a:noFill/>
-          </a:ln>
-        </p:spPr>
-        <p:style>
-          <a:lnRef idx="2">
-            <a:schemeClr val="accent1">
-              <a:shade val="50000"/>
-            </a:schemeClr>
-          </a:lnRef>
-          <a:fillRef idx="1">
-            <a:schemeClr val="accent1"/>
-          </a:fillRef>
-          <a:effectRef idx="0">
-            <a:schemeClr val="accent1"/>
-          </a:effectRef>
-          <a:fontRef idx="minor">
-            <a:schemeClr val="lt1"/>
-          </a:fontRef>
-        </p:style>
-        <p:txBody>
-          <a:bodyPr rtlCol="0" anchor="ctr"/>
-          <a:lstStyle/>
-          <a:p>
-            <a:pPr algn="ctr"/>
-            <a:r>
-              <a:rPr lang="ko-KR" altLang="en-US" sz="1000" u="sng" dirty="0">
-                <a:solidFill>
-                  <a:schemeClr val="accent6">
-                    <a:lumMod val="50000"/>
-                  </a:schemeClr>
-                </a:solidFill>
-              </a:rPr>
-              <a:t>엔진에서</a:t>
-            </a:r>
-            <a:endParaRPr lang="en-US" altLang="ko-KR" sz="1000" u="sng" dirty="0">
-              <a:solidFill>
-                <a:schemeClr val="accent6">
-                  <a:lumMod val="50000"/>
-                </a:schemeClr>
-              </a:solidFill>
-            </a:endParaRPr>
-          </a:p>
-          <a:p>
-            <a:pPr algn="ctr"/>
-            <a:r>
-              <a:rPr lang="ko-KR" altLang="en-US" sz="1000" u="sng" dirty="0">
-                <a:solidFill>
-                  <a:schemeClr val="accent6">
-                    <a:lumMod val="50000"/>
-                  </a:schemeClr>
-                </a:solidFill>
-              </a:rPr>
-              <a:t>수정 가능</a:t>
             </a:r>
           </a:p>
         </p:txBody>
@@ -20263,7 +18763,7 @@
         <p:spPr>
           <a:xfrm>
             <a:off x="255481" y="6957902"/>
-            <a:ext cx="6297381" cy="1292662"/>
+            <a:ext cx="6297381" cy="2277547"/>
           </a:xfrm>
           <a:prstGeom prst="rect">
             <a:avLst/>
@@ -20449,6 +18949,67 @@
                 <a:ea typeface="HY그래픽M" panose="02030600000101010101" pitchFamily="18" charset="-127"/>
               </a:rPr>
               <a:t>회전하지 않는다</a:t>
+            </a:r>
+            <a:r>
+              <a:rPr lang="en-US" altLang="ko-KR" sz="1600" b="1" dirty="0">
+                <a:latin typeface="HY그래픽M" panose="02030600000101010101" pitchFamily="18" charset="-127"/>
+                <a:ea typeface="HY그래픽M" panose="02030600000101010101" pitchFamily="18" charset="-127"/>
+              </a:rPr>
+              <a:t>.</a:t>
+            </a:r>
+          </a:p>
+          <a:p>
+            <a:pPr marL="285705" indent="-285705">
+              <a:buFontTx/>
+              <a:buChar char="-"/>
+            </a:pPr>
+            <a:endParaRPr lang="en-US" altLang="ko-KR" sz="1600" b="1" dirty="0">
+              <a:latin typeface="HY그래픽M" panose="02030600000101010101" pitchFamily="18" charset="-127"/>
+              <a:ea typeface="HY그래픽M" panose="02030600000101010101" pitchFamily="18" charset="-127"/>
+            </a:endParaRPr>
+          </a:p>
+          <a:p>
+            <a:pPr marL="285705" indent="-285705">
+              <a:buFontTx/>
+              <a:buChar char="-"/>
+            </a:pPr>
+            <a:r>
+              <a:rPr lang="ko-KR" altLang="en-US" sz="1600" b="1" dirty="0">
+                <a:latin typeface="HY그래픽M" panose="02030600000101010101" pitchFamily="18" charset="-127"/>
+                <a:ea typeface="HY그래픽M" panose="02030600000101010101" pitchFamily="18" charset="-127"/>
+              </a:rPr>
+              <a:t>카메라가 캐릭터에게 </a:t>
+            </a:r>
+            <a:r>
+              <a:rPr lang="ko-KR" altLang="en-US" sz="1600" b="1" dirty="0">
+                <a:solidFill>
+                  <a:schemeClr val="accent4"/>
+                </a:solidFill>
+                <a:latin typeface="HY그래픽M" panose="02030600000101010101" pitchFamily="18" charset="-127"/>
+                <a:ea typeface="HY그래픽M" panose="02030600000101010101" pitchFamily="18" charset="-127"/>
+              </a:rPr>
+              <a:t>항상 연결된 상태는 아니며 </a:t>
+            </a:r>
+            <a:r>
+              <a:rPr lang="ko-KR" altLang="en-US" sz="1600" b="1" dirty="0">
+                <a:latin typeface="HY그래픽M" panose="02030600000101010101" pitchFamily="18" charset="-127"/>
+                <a:ea typeface="HY그래픽M" panose="02030600000101010101" pitchFamily="18" charset="-127"/>
+              </a:rPr>
+              <a:t>게임 진행목적상 혹은 연출목적상 카메라가 다른 </a:t>
+            </a:r>
+            <a:r>
+              <a:rPr lang="ko-KR" altLang="en-US" sz="1600" b="1" dirty="0" err="1">
+                <a:latin typeface="HY그래픽M" panose="02030600000101010101" pitchFamily="18" charset="-127"/>
+                <a:ea typeface="HY그래픽M" panose="02030600000101010101" pitchFamily="18" charset="-127"/>
+              </a:rPr>
+              <a:t>액터를</a:t>
+            </a:r>
+            <a:r>
+              <a:rPr lang="ko-KR" altLang="en-US" sz="1600" b="1" dirty="0">
+                <a:latin typeface="HY그래픽M" panose="02030600000101010101" pitchFamily="18" charset="-127"/>
+                <a:ea typeface="HY그래픽M" panose="02030600000101010101" pitchFamily="18" charset="-127"/>
+              </a:rPr>
+              <a:t> 따라 이동하거나 특정 위치를 따라갈 수 있다</a:t>
             </a:r>
             <a:r>
               <a:rPr lang="en-US" altLang="ko-KR" sz="1600" b="1" dirty="0">

--- a/기획서/신버전/캐릭터 시스템.pptx
+++ b/기획서/신버전/캐릭터 시스템.pptx
@@ -227,7 +227,7 @@
           <a:p>
             <a:fld id="{D686C50E-113A-4B4A-8A5C-9EE1E9DBA064}" type="datetimeFigureOut">
               <a:rPr lang="ko-KR" altLang="en-US" smtClean="0"/>
-              <a:t>2021-04-10</a:t>
+              <a:t>2021-04-12</a:t>
             </a:fld>
             <a:endParaRPr lang="ko-KR" altLang="en-US" dirty="0"/>
           </a:p>
@@ -404,7 +404,7 @@
           <a:p>
             <a:fld id="{40EC3B2E-CA71-40FC-A78E-FA212ABD0BB7}" type="datetimeFigureOut">
               <a:rPr lang="ko-KR" altLang="en-US" smtClean="0"/>
-              <a:t>2021-04-10</a:t>
+              <a:t>2021-04-12</a:t>
             </a:fld>
             <a:endParaRPr lang="ko-KR" altLang="en-US" dirty="0"/>
           </a:p>
@@ -802,7 +802,7 @@
           <a:p>
             <a:fld id="{F8CAAD71-D53C-4447-AAA3-BC9075A67E69}" type="datetimeFigureOut">
               <a:rPr lang="ko-KR" altLang="en-US" smtClean="0"/>
-              <a:t>2021-04-10</a:t>
+              <a:t>2021-04-12</a:t>
             </a:fld>
             <a:endParaRPr lang="ko-KR" altLang="en-US" dirty="0"/>
           </a:p>
@@ -972,7 +972,7 @@
           <a:p>
             <a:fld id="{F8CAAD71-D53C-4447-AAA3-BC9075A67E69}" type="datetimeFigureOut">
               <a:rPr lang="ko-KR" altLang="en-US" smtClean="0"/>
-              <a:t>2021-04-10</a:t>
+              <a:t>2021-04-12</a:t>
             </a:fld>
             <a:endParaRPr lang="ko-KR" altLang="en-US" dirty="0"/>
           </a:p>
@@ -1152,7 +1152,7 @@
           <a:p>
             <a:fld id="{F8CAAD71-D53C-4447-AAA3-BC9075A67E69}" type="datetimeFigureOut">
               <a:rPr lang="ko-KR" altLang="en-US" smtClean="0"/>
-              <a:t>2021-04-10</a:t>
+              <a:t>2021-04-12</a:t>
             </a:fld>
             <a:endParaRPr lang="ko-KR" altLang="en-US" dirty="0"/>
           </a:p>
@@ -1322,7 +1322,7 @@
           <a:p>
             <a:fld id="{F8CAAD71-D53C-4447-AAA3-BC9075A67E69}" type="datetimeFigureOut">
               <a:rPr lang="ko-KR" altLang="en-US" smtClean="0"/>
-              <a:t>2021-04-10</a:t>
+              <a:t>2021-04-12</a:t>
             </a:fld>
             <a:endParaRPr lang="ko-KR" altLang="en-US" dirty="0"/>
           </a:p>
@@ -1566,7 +1566,7 @@
           <a:p>
             <a:fld id="{F8CAAD71-D53C-4447-AAA3-BC9075A67E69}" type="datetimeFigureOut">
               <a:rPr lang="ko-KR" altLang="en-US" smtClean="0"/>
-              <a:t>2021-04-10</a:t>
+              <a:t>2021-04-12</a:t>
             </a:fld>
             <a:endParaRPr lang="ko-KR" altLang="en-US" dirty="0"/>
           </a:p>
@@ -1798,7 +1798,7 @@
           <a:p>
             <a:fld id="{F8CAAD71-D53C-4447-AAA3-BC9075A67E69}" type="datetimeFigureOut">
               <a:rPr lang="ko-KR" altLang="en-US" smtClean="0"/>
-              <a:t>2021-04-10</a:t>
+              <a:t>2021-04-12</a:t>
             </a:fld>
             <a:endParaRPr lang="ko-KR" altLang="en-US" dirty="0"/>
           </a:p>
@@ -2165,7 +2165,7 @@
           <a:p>
             <a:fld id="{F8CAAD71-D53C-4447-AAA3-BC9075A67E69}" type="datetimeFigureOut">
               <a:rPr lang="ko-KR" altLang="en-US" smtClean="0"/>
-              <a:t>2021-04-10</a:t>
+              <a:t>2021-04-12</a:t>
             </a:fld>
             <a:endParaRPr lang="ko-KR" altLang="en-US" dirty="0"/>
           </a:p>
@@ -2283,7 +2283,7 @@
           <a:p>
             <a:fld id="{F8CAAD71-D53C-4447-AAA3-BC9075A67E69}" type="datetimeFigureOut">
               <a:rPr lang="ko-KR" altLang="en-US" smtClean="0"/>
-              <a:t>2021-04-10</a:t>
+              <a:t>2021-04-12</a:t>
             </a:fld>
             <a:endParaRPr lang="ko-KR" altLang="en-US" dirty="0"/>
           </a:p>
@@ -2378,7 +2378,7 @@
           <a:p>
             <a:fld id="{F8CAAD71-D53C-4447-AAA3-BC9075A67E69}" type="datetimeFigureOut">
               <a:rPr lang="ko-KR" altLang="en-US" smtClean="0"/>
-              <a:t>2021-04-10</a:t>
+              <a:t>2021-04-12</a:t>
             </a:fld>
             <a:endParaRPr lang="ko-KR" altLang="en-US" dirty="0"/>
           </a:p>
@@ -2655,7 +2655,7 @@
           <a:p>
             <a:fld id="{F8CAAD71-D53C-4447-AAA3-BC9075A67E69}" type="datetimeFigureOut">
               <a:rPr lang="ko-KR" altLang="en-US" smtClean="0"/>
-              <a:t>2021-04-10</a:t>
+              <a:t>2021-04-12</a:t>
             </a:fld>
             <a:endParaRPr lang="ko-KR" altLang="en-US" dirty="0"/>
           </a:p>
@@ -2912,7 +2912,7 @@
           <a:p>
             <a:fld id="{F8CAAD71-D53C-4447-AAA3-BC9075A67E69}" type="datetimeFigureOut">
               <a:rPr lang="ko-KR" altLang="en-US" smtClean="0"/>
-              <a:t>2021-04-10</a:t>
+              <a:t>2021-04-12</a:t>
             </a:fld>
             <a:endParaRPr lang="ko-KR" altLang="en-US" dirty="0"/>
           </a:p>
@@ -3125,7 +3125,7 @@
           <a:p>
             <a:fld id="{F8CAAD71-D53C-4447-AAA3-BC9075A67E69}" type="datetimeFigureOut">
               <a:rPr lang="ko-KR" altLang="en-US" smtClean="0"/>
-              <a:t>2021-04-10</a:t>
+              <a:t>2021-04-12</a:t>
             </a:fld>
             <a:endParaRPr lang="ko-KR" altLang="en-US" dirty="0"/>
           </a:p>
@@ -9004,7 +9004,7 @@
         <p:spPr>
           <a:xfrm>
             <a:off x="280315" y="3135617"/>
-            <a:ext cx="6297381" cy="5262979"/>
+            <a:ext cx="6297381" cy="5755422"/>
           </a:xfrm>
           <a:prstGeom prst="rect">
             <a:avLst/>
@@ -9705,6 +9705,12 @@
               </a:rPr>
               <a:t>.</a:t>
             </a:r>
+          </a:p>
+          <a:p>
+            <a:pPr marL="285705" indent="-285705">
+              <a:buFontTx/>
+              <a:buChar char="-"/>
+            </a:pPr>
             <a:endParaRPr lang="en-US" altLang="ko-KR" sz="1600" b="1" dirty="0">
               <a:solidFill>
                 <a:schemeClr val="accent4"/>
@@ -9712,6 +9718,98 @@
               <a:latin typeface="HY그래픽M" panose="02030600000101010101" pitchFamily="18" charset="-127"/>
               <a:ea typeface="HY그래픽M" panose="02030600000101010101" pitchFamily="18" charset="-127"/>
             </a:endParaRPr>
+          </a:p>
+          <a:p>
+            <a:pPr marL="285705" indent="-285705">
+              <a:buFontTx/>
+              <a:buChar char="-"/>
+            </a:pPr>
+            <a:r>
+              <a:rPr lang="en-US" altLang="ko-KR" sz="1600" b="1" dirty="0">
+                <a:latin typeface="HY그래픽M" panose="02030600000101010101" pitchFamily="18" charset="-127"/>
+                <a:ea typeface="HY그래픽M" panose="02030600000101010101" pitchFamily="18" charset="-127"/>
+              </a:rPr>
+              <a:t> </a:t>
+            </a:r>
+            <a:r>
+              <a:rPr lang="ko-KR" altLang="en-US" sz="1600" b="1" dirty="0">
+                <a:latin typeface="HY그래픽M" panose="02030600000101010101" pitchFamily="18" charset="-127"/>
+                <a:ea typeface="HY그래픽M" panose="02030600000101010101" pitchFamily="18" charset="-127"/>
+              </a:rPr>
+              <a:t>공중에서 </a:t>
+            </a:r>
+            <a:r>
+              <a:rPr lang="ko-KR" altLang="en-US" sz="1600" b="1" dirty="0" err="1">
+                <a:latin typeface="HY그래픽M" panose="02030600000101010101" pitchFamily="18" charset="-127"/>
+                <a:ea typeface="HY그래픽M" panose="02030600000101010101" pitchFamily="18" charset="-127"/>
+              </a:rPr>
+              <a:t>대쉬를</a:t>
+            </a:r>
+            <a:r>
+              <a:rPr lang="ko-KR" altLang="en-US" sz="1600" b="1" dirty="0">
+                <a:latin typeface="HY그래픽M" panose="02030600000101010101" pitchFamily="18" charset="-127"/>
+                <a:ea typeface="HY그래픽M" panose="02030600000101010101" pitchFamily="18" charset="-127"/>
+              </a:rPr>
+              <a:t> </a:t>
+            </a:r>
+            <a:r>
+              <a:rPr lang="en-US" altLang="ko-KR" sz="1600" b="1" dirty="0">
+                <a:latin typeface="HY그래픽M" panose="02030600000101010101" pitchFamily="18" charset="-127"/>
+                <a:ea typeface="HY그래픽M" panose="02030600000101010101" pitchFamily="18" charset="-127"/>
+              </a:rPr>
+              <a:t>1</a:t>
+            </a:r>
+            <a:r>
+              <a:rPr lang="ko-KR" altLang="en-US" sz="1600" b="1" dirty="0">
+                <a:latin typeface="HY그래픽M" panose="02030600000101010101" pitchFamily="18" charset="-127"/>
+                <a:ea typeface="HY그래픽M" panose="02030600000101010101" pitchFamily="18" charset="-127"/>
+              </a:rPr>
+              <a:t>회 하면 </a:t>
+            </a:r>
+            <a:r>
+              <a:rPr lang="ko-KR" altLang="en-US" sz="1600" b="1" dirty="0">
+                <a:solidFill>
+                  <a:schemeClr val="accent4"/>
+                </a:solidFill>
+                <a:latin typeface="HY그래픽M" panose="02030600000101010101" pitchFamily="18" charset="-127"/>
+                <a:ea typeface="HY그래픽M" panose="02030600000101010101" pitchFamily="18" charset="-127"/>
+              </a:rPr>
+              <a:t>착지 때까지 </a:t>
+            </a:r>
+            <a:r>
+              <a:rPr lang="ko-KR" altLang="en-US" sz="1600" b="1" dirty="0" err="1">
+                <a:solidFill>
+                  <a:schemeClr val="accent4"/>
+                </a:solidFill>
+                <a:latin typeface="HY그래픽M" panose="02030600000101010101" pitchFamily="18" charset="-127"/>
+                <a:ea typeface="HY그래픽M" panose="02030600000101010101" pitchFamily="18" charset="-127"/>
+              </a:rPr>
+              <a:t>대쉬가</a:t>
+            </a:r>
+            <a:r>
+              <a:rPr lang="ko-KR" altLang="en-US" sz="1600" b="1" dirty="0">
+                <a:solidFill>
+                  <a:schemeClr val="accent4"/>
+                </a:solidFill>
+                <a:latin typeface="HY그래픽M" panose="02030600000101010101" pitchFamily="18" charset="-127"/>
+                <a:ea typeface="HY그래픽M" panose="02030600000101010101" pitchFamily="18" charset="-127"/>
+              </a:rPr>
+              <a:t> 비활성화</a:t>
+            </a:r>
+            <a:r>
+              <a:rPr lang="ko-KR" altLang="en-US" sz="1600" b="1" dirty="0">
+                <a:latin typeface="HY그래픽M" panose="02030600000101010101" pitchFamily="18" charset="-127"/>
+                <a:ea typeface="HY그래픽M" panose="02030600000101010101" pitchFamily="18" charset="-127"/>
+              </a:rPr>
+              <a:t>된다</a:t>
+            </a:r>
+            <a:r>
+              <a:rPr lang="en-US" altLang="ko-KR" sz="1600" b="1" dirty="0">
+                <a:latin typeface="HY그래픽M" panose="02030600000101010101" pitchFamily="18" charset="-127"/>
+                <a:ea typeface="HY그래픽M" panose="02030600000101010101" pitchFamily="18" charset="-127"/>
+              </a:rPr>
+              <a:t>.</a:t>
+            </a:r>
           </a:p>
           <a:p>
             <a:pPr marL="285705" indent="-285705">

--- a/기획서/신버전/캐릭터 시스템.pptx
+++ b/기획서/신버전/캐릭터 시스템.pptx
@@ -227,7 +227,7 @@
           <a:p>
             <a:fld id="{D686C50E-113A-4B4A-8A5C-9EE1E9DBA064}" type="datetimeFigureOut">
               <a:rPr lang="ko-KR" altLang="en-US" smtClean="0"/>
-              <a:t>2021-04-12</a:t>
+              <a:t>2021-05-22</a:t>
             </a:fld>
             <a:endParaRPr lang="ko-KR" altLang="en-US" dirty="0"/>
           </a:p>
@@ -404,7 +404,7 @@
           <a:p>
             <a:fld id="{40EC3B2E-CA71-40FC-A78E-FA212ABD0BB7}" type="datetimeFigureOut">
               <a:rPr lang="ko-KR" altLang="en-US" smtClean="0"/>
-              <a:t>2021-04-12</a:t>
+              <a:t>2021-05-22</a:t>
             </a:fld>
             <a:endParaRPr lang="ko-KR" altLang="en-US" dirty="0"/>
           </a:p>
@@ -802,7 +802,7 @@
           <a:p>
             <a:fld id="{F8CAAD71-D53C-4447-AAA3-BC9075A67E69}" type="datetimeFigureOut">
               <a:rPr lang="ko-KR" altLang="en-US" smtClean="0"/>
-              <a:t>2021-04-12</a:t>
+              <a:t>2021-05-22</a:t>
             </a:fld>
             <a:endParaRPr lang="ko-KR" altLang="en-US" dirty="0"/>
           </a:p>
@@ -972,7 +972,7 @@
           <a:p>
             <a:fld id="{F8CAAD71-D53C-4447-AAA3-BC9075A67E69}" type="datetimeFigureOut">
               <a:rPr lang="ko-KR" altLang="en-US" smtClean="0"/>
-              <a:t>2021-04-12</a:t>
+              <a:t>2021-05-22</a:t>
             </a:fld>
             <a:endParaRPr lang="ko-KR" altLang="en-US" dirty="0"/>
           </a:p>
@@ -1152,7 +1152,7 @@
           <a:p>
             <a:fld id="{F8CAAD71-D53C-4447-AAA3-BC9075A67E69}" type="datetimeFigureOut">
               <a:rPr lang="ko-KR" altLang="en-US" smtClean="0"/>
-              <a:t>2021-04-12</a:t>
+              <a:t>2021-05-22</a:t>
             </a:fld>
             <a:endParaRPr lang="ko-KR" altLang="en-US" dirty="0"/>
           </a:p>
@@ -1322,7 +1322,7 @@
           <a:p>
             <a:fld id="{F8CAAD71-D53C-4447-AAA3-BC9075A67E69}" type="datetimeFigureOut">
               <a:rPr lang="ko-KR" altLang="en-US" smtClean="0"/>
-              <a:t>2021-04-12</a:t>
+              <a:t>2021-05-22</a:t>
             </a:fld>
             <a:endParaRPr lang="ko-KR" altLang="en-US" dirty="0"/>
           </a:p>
@@ -1566,7 +1566,7 @@
           <a:p>
             <a:fld id="{F8CAAD71-D53C-4447-AAA3-BC9075A67E69}" type="datetimeFigureOut">
               <a:rPr lang="ko-KR" altLang="en-US" smtClean="0"/>
-              <a:t>2021-04-12</a:t>
+              <a:t>2021-05-22</a:t>
             </a:fld>
             <a:endParaRPr lang="ko-KR" altLang="en-US" dirty="0"/>
           </a:p>
@@ -1798,7 +1798,7 @@
           <a:p>
             <a:fld id="{F8CAAD71-D53C-4447-AAA3-BC9075A67E69}" type="datetimeFigureOut">
               <a:rPr lang="ko-KR" altLang="en-US" smtClean="0"/>
-              <a:t>2021-04-12</a:t>
+              <a:t>2021-05-22</a:t>
             </a:fld>
             <a:endParaRPr lang="ko-KR" altLang="en-US" dirty="0"/>
           </a:p>
@@ -2165,7 +2165,7 @@
           <a:p>
             <a:fld id="{F8CAAD71-D53C-4447-AAA3-BC9075A67E69}" type="datetimeFigureOut">
               <a:rPr lang="ko-KR" altLang="en-US" smtClean="0"/>
-              <a:t>2021-04-12</a:t>
+              <a:t>2021-05-22</a:t>
             </a:fld>
             <a:endParaRPr lang="ko-KR" altLang="en-US" dirty="0"/>
           </a:p>
@@ -2283,7 +2283,7 @@
           <a:p>
             <a:fld id="{F8CAAD71-D53C-4447-AAA3-BC9075A67E69}" type="datetimeFigureOut">
               <a:rPr lang="ko-KR" altLang="en-US" smtClean="0"/>
-              <a:t>2021-04-12</a:t>
+              <a:t>2021-05-22</a:t>
             </a:fld>
             <a:endParaRPr lang="ko-KR" altLang="en-US" dirty="0"/>
           </a:p>
@@ -2378,7 +2378,7 @@
           <a:p>
             <a:fld id="{F8CAAD71-D53C-4447-AAA3-BC9075A67E69}" type="datetimeFigureOut">
               <a:rPr lang="ko-KR" altLang="en-US" smtClean="0"/>
-              <a:t>2021-04-12</a:t>
+              <a:t>2021-05-22</a:t>
             </a:fld>
             <a:endParaRPr lang="ko-KR" altLang="en-US" dirty="0"/>
           </a:p>
@@ -2655,7 +2655,7 @@
           <a:p>
             <a:fld id="{F8CAAD71-D53C-4447-AAA3-BC9075A67E69}" type="datetimeFigureOut">
               <a:rPr lang="ko-KR" altLang="en-US" smtClean="0"/>
-              <a:t>2021-04-12</a:t>
+              <a:t>2021-05-22</a:t>
             </a:fld>
             <a:endParaRPr lang="ko-KR" altLang="en-US" dirty="0"/>
           </a:p>
@@ -2912,7 +2912,7 @@
           <a:p>
             <a:fld id="{F8CAAD71-D53C-4447-AAA3-BC9075A67E69}" type="datetimeFigureOut">
               <a:rPr lang="ko-KR" altLang="en-US" smtClean="0"/>
-              <a:t>2021-04-12</a:t>
+              <a:t>2021-05-22</a:t>
             </a:fld>
             <a:endParaRPr lang="ko-KR" altLang="en-US" dirty="0"/>
           </a:p>
@@ -3125,7 +3125,7 @@
           <a:p>
             <a:fld id="{F8CAAD71-D53C-4447-AAA3-BC9075A67E69}" type="datetimeFigureOut">
               <a:rPr lang="ko-KR" altLang="en-US" smtClean="0"/>
-              <a:t>2021-04-12</a:t>
+              <a:t>2021-05-22</a:t>
             </a:fld>
             <a:endParaRPr lang="ko-KR" altLang="en-US" dirty="0"/>
           </a:p>
@@ -18861,7 +18861,7 @@
         <p:spPr>
           <a:xfrm>
             <a:off x="255481" y="6957902"/>
-            <a:ext cx="6297381" cy="2277547"/>
+            <a:ext cx="6297381" cy="2492990"/>
           </a:xfrm>
           <a:prstGeom prst="rect">
             <a:avLst/>
@@ -18963,7 +18963,7 @@
                 <a:latin typeface="HY그래픽M" panose="02030600000101010101" pitchFamily="18" charset="-127"/>
                 <a:ea typeface="HY그래픽M" panose="02030600000101010101" pitchFamily="18" charset="-127"/>
               </a:rPr>
-              <a:t>X,Y,Z </a:t>
+              <a:t>X,Y </a:t>
             </a:r>
             <a:r>
               <a:rPr lang="ko-KR" altLang="en-US" sz="1400" b="1" i="1" dirty="0" err="1">
@@ -19000,6 +19000,44 @@
                 <a:ea typeface="HY그래픽M" panose="02030600000101010101" pitchFamily="18" charset="-127"/>
               </a:rPr>
               <a:t>.)</a:t>
+            </a:r>
+          </a:p>
+          <a:p>
+            <a:r>
+              <a:rPr lang="en-US" altLang="ko-KR" sz="1400" b="1" i="1" dirty="0">
+                <a:solidFill>
+                  <a:schemeClr val="bg2">
+                    <a:lumMod val="90000"/>
+                  </a:schemeClr>
+                </a:solidFill>
+                <a:latin typeface="HY그래픽M" panose="02030600000101010101" pitchFamily="18" charset="-127"/>
+                <a:ea typeface="HY그래픽M" panose="02030600000101010101" pitchFamily="18" charset="-127"/>
+              </a:rPr>
+              <a:t>(</a:t>
+            </a:r>
+            <a:r>
+              <a:rPr lang="ko-KR" altLang="en-US" sz="1400" b="1" i="1" dirty="0">
+                <a:solidFill>
+                  <a:schemeClr val="bg2">
+                    <a:lumMod val="90000"/>
+                  </a:schemeClr>
+                </a:solidFill>
+                <a:latin typeface="HY그래픽M" panose="02030600000101010101" pitchFamily="18" charset="-127"/>
+                <a:ea typeface="HY그래픽M" panose="02030600000101010101" pitchFamily="18" charset="-127"/>
+              </a:rPr>
+              <a:t>높이는 항상 특정 높이에서 캐릭터를 비춘다</a:t>
+            </a:r>
+            <a:r>
+              <a:rPr lang="en-US" altLang="ko-KR" sz="1400" b="1" i="1" dirty="0">
+                <a:solidFill>
+                  <a:schemeClr val="bg2">
+                    <a:lumMod val="90000"/>
+                  </a:schemeClr>
+                </a:solidFill>
+                <a:latin typeface="HY그래픽M" panose="02030600000101010101" pitchFamily="18" charset="-127"/>
+                <a:ea typeface="HY그래픽M" panose="02030600000101010101" pitchFamily="18" charset="-127"/>
+              </a:rPr>
+              <a:t>)</a:t>
             </a:r>
           </a:p>
           <a:p>
